--- a/第二部分 软件测试技术/3.3黑盒测试技术——正交表法设计测试用例（书上3.5）.pptx
+++ b/第二部分 软件测试技术/3.3黑盒测试技术——正交表法设计测试用例（书上3.5）.pptx
@@ -1,14 +1,14 @@
 
 <file path=ppt/presentation.xml><?xml version="1.0" encoding="utf-8"?>
-<p:presentation xmlns:a="http://schemas.openxmlformats.org/drawingml/2006/main" xmlns:r="http://schemas.openxmlformats.org/officeDocument/2006/relationships" xmlns:p="http://schemas.openxmlformats.org/presentationml/2006/main" saveSubsetFonts="1">
+<p:presentation xmlns:a="http://schemas.openxmlformats.org/drawingml/2006/main" xmlns:r="http://schemas.openxmlformats.org/officeDocument/2006/relationships" xmlns:p="http://schemas.openxmlformats.org/presentationml/2006/main">
   <p:sldMasterIdLst>
-    <p:sldMasterId id="2147483776" r:id="rId1"/>
+    <p:sldMasterId id="2147483648" r:id="rId1"/>
   </p:sldMasterIdLst>
   <p:notesMasterIdLst>
-    <p:notesMasterId r:id="rId36"/>
+    <p:notesMasterId r:id="rId35"/>
   </p:notesMasterIdLst>
   <p:handoutMasterIdLst>
-    <p:handoutMasterId r:id="rId37"/>
+    <p:handoutMasterId r:id="rId36"/>
   </p:handoutMasterIdLst>
   <p:sldIdLst>
     <p:sldId id="588" r:id="rId2"/>
@@ -43,8 +43,7 @@
     <p:sldId id="617" r:id="rId31"/>
     <p:sldId id="618" r:id="rId32"/>
     <p:sldId id="619" r:id="rId33"/>
-    <p:sldId id="621" r:id="rId34"/>
-    <p:sldId id="620" r:id="rId35"/>
+    <p:sldId id="620" r:id="rId34"/>
   </p:sldIdLst>
   <p:sldSz cx="12192000" cy="6858000"/>
   <p:notesSz cx="6858000" cy="9144000"/>
@@ -63,8 +62,8 @@
         <a:solidFill>
           <a:schemeClr val="tx1"/>
         </a:solidFill>
-        <a:latin typeface="Verdana" pitchFamily="34" charset="0"/>
-        <a:ea typeface="宋体" charset="-122"/>
+        <a:latin typeface="Verdana" panose="020B0604030504040204" pitchFamily="34" charset="0"/>
+        <a:ea typeface="宋体" panose="02010600030101010101" pitchFamily="2" charset="-122"/>
         <a:cs typeface="+mn-cs"/>
       </a:defRPr>
     </a:lvl1pPr>
@@ -79,8 +78,8 @@
         <a:solidFill>
           <a:schemeClr val="tx1"/>
         </a:solidFill>
-        <a:latin typeface="Verdana" pitchFamily="34" charset="0"/>
-        <a:ea typeface="宋体" charset="-122"/>
+        <a:latin typeface="Verdana" panose="020B0604030504040204" pitchFamily="34" charset="0"/>
+        <a:ea typeface="宋体" panose="02010600030101010101" pitchFamily="2" charset="-122"/>
         <a:cs typeface="+mn-cs"/>
       </a:defRPr>
     </a:lvl2pPr>
@@ -95,8 +94,8 @@
         <a:solidFill>
           <a:schemeClr val="tx1"/>
         </a:solidFill>
-        <a:latin typeface="Verdana" pitchFamily="34" charset="0"/>
-        <a:ea typeface="宋体" charset="-122"/>
+        <a:latin typeface="Verdana" panose="020B0604030504040204" pitchFamily="34" charset="0"/>
+        <a:ea typeface="宋体" panose="02010600030101010101" pitchFamily="2" charset="-122"/>
         <a:cs typeface="+mn-cs"/>
       </a:defRPr>
     </a:lvl3pPr>
@@ -111,8 +110,8 @@
         <a:solidFill>
           <a:schemeClr val="tx1"/>
         </a:solidFill>
-        <a:latin typeface="Verdana" pitchFamily="34" charset="0"/>
-        <a:ea typeface="宋体" charset="-122"/>
+        <a:latin typeface="Verdana" panose="020B0604030504040204" pitchFamily="34" charset="0"/>
+        <a:ea typeface="宋体" panose="02010600030101010101" pitchFamily="2" charset="-122"/>
         <a:cs typeface="+mn-cs"/>
       </a:defRPr>
     </a:lvl4pPr>
@@ -127,8 +126,8 @@
         <a:solidFill>
           <a:schemeClr val="tx1"/>
         </a:solidFill>
-        <a:latin typeface="Verdana" pitchFamily="34" charset="0"/>
-        <a:ea typeface="宋体" charset="-122"/>
+        <a:latin typeface="Verdana" panose="020B0604030504040204" pitchFamily="34" charset="0"/>
+        <a:ea typeface="宋体" panose="02010600030101010101" pitchFamily="2" charset="-122"/>
         <a:cs typeface="+mn-cs"/>
       </a:defRPr>
     </a:lvl5pPr>
@@ -137,8 +136,8 @@
         <a:solidFill>
           <a:schemeClr val="tx1"/>
         </a:solidFill>
-        <a:latin typeface="Verdana" pitchFamily="34" charset="0"/>
-        <a:ea typeface="宋体" charset="-122"/>
+        <a:latin typeface="Verdana" panose="020B0604030504040204" pitchFamily="34" charset="0"/>
+        <a:ea typeface="宋体" panose="02010600030101010101" pitchFamily="2" charset="-122"/>
         <a:cs typeface="+mn-cs"/>
       </a:defRPr>
     </a:lvl6pPr>
@@ -147,8 +146,8 @@
         <a:solidFill>
           <a:schemeClr val="tx1"/>
         </a:solidFill>
-        <a:latin typeface="Verdana" pitchFamily="34" charset="0"/>
-        <a:ea typeface="宋体" charset="-122"/>
+        <a:latin typeface="Verdana" panose="020B0604030504040204" pitchFamily="34" charset="0"/>
+        <a:ea typeface="宋体" panose="02010600030101010101" pitchFamily="2" charset="-122"/>
         <a:cs typeface="+mn-cs"/>
       </a:defRPr>
     </a:lvl7pPr>
@@ -157,8 +156,8 @@
         <a:solidFill>
           <a:schemeClr val="tx1"/>
         </a:solidFill>
-        <a:latin typeface="Verdana" pitchFamily="34" charset="0"/>
-        <a:ea typeface="宋体" charset="-122"/>
+        <a:latin typeface="Verdana" panose="020B0604030504040204" pitchFamily="34" charset="0"/>
+        <a:ea typeface="宋体" panose="02010600030101010101" pitchFamily="2" charset="-122"/>
         <a:cs typeface="+mn-cs"/>
       </a:defRPr>
     </a:lvl8pPr>
@@ -167,21 +166,21 @@
         <a:solidFill>
           <a:schemeClr val="tx1"/>
         </a:solidFill>
-        <a:latin typeface="Verdana" pitchFamily="34" charset="0"/>
-        <a:ea typeface="宋体" charset="-122"/>
+        <a:latin typeface="Verdana" panose="020B0604030504040204" pitchFamily="34" charset="0"/>
+        <a:ea typeface="宋体" panose="02010600030101010101" pitchFamily="2" charset="-122"/>
         <a:cs typeface="+mn-cs"/>
       </a:defRPr>
     </a:lvl9pPr>
   </p:defaultTextStyle>
   <p:extLst>
     <p:ext uri="{EFAFB233-063F-42B5-8137-9DF3F51BA10A}">
-      <p15:sldGuideLst xmlns:p15="http://schemas.microsoft.com/office/powerpoint/2012/main">
-        <p15:guide id="1" orient="horz" pos="2160" userDrawn="1">
+      <p15:sldGuideLst xmlns="" xmlns:p15="http://schemas.microsoft.com/office/powerpoint/2012/main">
+        <p15:guide id="1" orient="horz" pos="2160">
           <p15:clr>
             <a:srgbClr val="A4A3A4"/>
           </p15:clr>
         </p15:guide>
-        <p15:guide id="2" pos="3840" userDrawn="1">
+        <p15:guide id="2" pos="3817">
           <p15:clr>
             <a:srgbClr val="A4A3A4"/>
           </p15:clr>
@@ -189,13 +188,13 @@
       </p15:sldGuideLst>
     </p:ext>
     <p:ext uri="{2D200454-40CA-4A62-9FC3-DE9A4176ACB9}">
-      <p15:notesGuideLst xmlns:p15="http://schemas.microsoft.com/office/powerpoint/2012/main">
+      <p15:notesGuideLst xmlns="" xmlns:p15="http://schemas.microsoft.com/office/powerpoint/2012/main">
         <p15:guide id="1" orient="horz" pos="2880">
           <p15:clr>
             <a:srgbClr val="A4A3A4"/>
           </p15:clr>
         </p15:guide>
-        <p15:guide id="2" pos="2160">
+        <p15:guide id="2" pos="2147">
           <p15:clr>
             <a:srgbClr val="A4A3A4"/>
           </p15:clr>
@@ -253,22 +252,16 @@
           <a:ln w="9525">
             <a:noFill/>
             <a:miter lim="800000"/>
-            <a:headEnd/>
-            <a:tailEnd/>
           </a:ln>
           <a:effectLst/>
         </p:spPr>
         <p:txBody>
-          <a:bodyPr vert="horz" wrap="square" lIns="91440" tIns="45720" rIns="91440" bIns="45720" numCol="1" anchor="t" anchorCtr="0" compatLnSpc="1">
-            <a:prstTxWarp prst="textNoShape">
-              <a:avLst/>
-            </a:prstTxWarp>
-          </a:bodyPr>
+          <a:bodyPr vert="horz" wrap="square" lIns="91440" tIns="45720" rIns="91440" bIns="45720" numCol="1" anchor="t" anchorCtr="0" compatLnSpc="1"/>
           <a:lstStyle>
             <a:lvl1pPr>
               <a:defRPr sz="1200">
-                <a:latin typeface="Arial" charset="0"/>
-                <a:ea typeface="宋体" pitchFamily="2" charset="-122"/>
+                <a:latin typeface="Arial" panose="020B0604020202020204" pitchFamily="34" charset="0"/>
+                <a:ea typeface="宋体" panose="02010600030101010101" pitchFamily="2" charset="-122"/>
               </a:defRPr>
             </a:lvl1pPr>
           </a:lstStyle>
@@ -302,22 +295,16 @@
           <a:ln w="9525">
             <a:noFill/>
             <a:miter lim="800000"/>
-            <a:headEnd/>
-            <a:tailEnd/>
           </a:ln>
           <a:effectLst/>
         </p:spPr>
         <p:txBody>
-          <a:bodyPr vert="horz" wrap="square" lIns="91440" tIns="45720" rIns="91440" bIns="45720" numCol="1" anchor="t" anchorCtr="0" compatLnSpc="1">
-            <a:prstTxWarp prst="textNoShape">
-              <a:avLst/>
-            </a:prstTxWarp>
-          </a:bodyPr>
+          <a:bodyPr vert="horz" wrap="square" lIns="91440" tIns="45720" rIns="91440" bIns="45720" numCol="1" anchor="t" anchorCtr="0" compatLnSpc="1"/>
           <a:lstStyle>
             <a:lvl1pPr algn="r">
               <a:defRPr sz="1200">
-                <a:latin typeface="Arial" charset="0"/>
-                <a:ea typeface="宋体" pitchFamily="2" charset="-122"/>
+                <a:latin typeface="Arial" panose="020B0604020202020204" pitchFamily="34" charset="0"/>
+                <a:ea typeface="宋体" panose="02010600030101010101" pitchFamily="2" charset="-122"/>
               </a:defRPr>
             </a:lvl1pPr>
           </a:lstStyle>
@@ -351,22 +338,16 @@
           <a:ln w="9525">
             <a:noFill/>
             <a:miter lim="800000"/>
-            <a:headEnd/>
-            <a:tailEnd/>
           </a:ln>
           <a:effectLst/>
         </p:spPr>
         <p:txBody>
-          <a:bodyPr vert="horz" wrap="square" lIns="91440" tIns="45720" rIns="91440" bIns="45720" numCol="1" anchor="b" anchorCtr="0" compatLnSpc="1">
-            <a:prstTxWarp prst="textNoShape">
-              <a:avLst/>
-            </a:prstTxWarp>
-          </a:bodyPr>
+          <a:bodyPr vert="horz" wrap="square" lIns="91440" tIns="45720" rIns="91440" bIns="45720" numCol="1" anchor="b" anchorCtr="0" compatLnSpc="1"/>
           <a:lstStyle>
             <a:lvl1pPr>
               <a:defRPr sz="1200">
-                <a:latin typeface="Arial" charset="0"/>
-                <a:ea typeface="宋体" pitchFamily="2" charset="-122"/>
+                <a:latin typeface="Arial" panose="020B0604020202020204" pitchFamily="34" charset="0"/>
+                <a:ea typeface="宋体" panose="02010600030101010101" pitchFamily="2" charset="-122"/>
               </a:defRPr>
             </a:lvl1pPr>
           </a:lstStyle>
@@ -400,22 +381,16 @@
           <a:ln w="9525">
             <a:noFill/>
             <a:miter lim="800000"/>
-            <a:headEnd/>
-            <a:tailEnd/>
           </a:ln>
           <a:effectLst/>
         </p:spPr>
         <p:txBody>
-          <a:bodyPr vert="horz" wrap="square" lIns="91440" tIns="45720" rIns="91440" bIns="45720" numCol="1" anchor="b" anchorCtr="0" compatLnSpc="1">
-            <a:prstTxWarp prst="textNoShape">
-              <a:avLst/>
-            </a:prstTxWarp>
-          </a:bodyPr>
+          <a:bodyPr vert="horz" wrap="square" lIns="91440" tIns="45720" rIns="91440" bIns="45720" numCol="1" anchor="b" anchorCtr="0" compatLnSpc="1"/>
           <a:lstStyle>
             <a:lvl1pPr algn="r">
               <a:defRPr sz="1200">
-                <a:latin typeface="Arial" charset="0"/>
-                <a:ea typeface="宋体" pitchFamily="2" charset="-122"/>
+                <a:latin typeface="Arial" panose="020B0604020202020204" pitchFamily="34" charset="0"/>
+                <a:ea typeface="宋体" panose="02010600030101010101" pitchFamily="2" charset="-122"/>
               </a:defRPr>
             </a:lvl1pPr>
           </a:lstStyle>
@@ -425,9 +400,6 @@
             </a:pPr>
             <a:fld id="{7BE119F4-F7CC-4430-A1DB-88C455E8BC26}" type="slidenum">
               <a:rPr lang="en-US" altLang="zh-CN"/>
-              <a:pPr>
-                <a:defRPr/>
-              </a:pPr>
               <a:t>‹#›</a:t>
             </a:fld>
             <a:endParaRPr lang="en-US" altLang="zh-CN" dirty="0"/>
@@ -437,7 +409,7 @@
     </p:spTree>
     <p:extLst>
       <p:ext uri="{BB962C8B-B14F-4D97-AF65-F5344CB8AC3E}">
-        <p14:creationId xmlns:p14="http://schemas.microsoft.com/office/powerpoint/2010/main" val="276209965"/>
+        <p14:creationId xmlns:p14="http://schemas.microsoft.com/office/powerpoint/2010/main" val="431755259"/>
       </p:ext>
     </p:extLst>
   </p:cSld>
@@ -493,22 +465,16 @@
           <a:ln w="9525">
             <a:noFill/>
             <a:miter lim="800000"/>
-            <a:headEnd/>
-            <a:tailEnd/>
           </a:ln>
           <a:effectLst/>
         </p:spPr>
         <p:txBody>
-          <a:bodyPr vert="horz" wrap="square" lIns="91440" tIns="45720" rIns="91440" bIns="45720" numCol="1" anchor="t" anchorCtr="0" compatLnSpc="1">
-            <a:prstTxWarp prst="textNoShape">
-              <a:avLst/>
-            </a:prstTxWarp>
-          </a:bodyPr>
+          <a:bodyPr vert="horz" wrap="square" lIns="91440" tIns="45720" rIns="91440" bIns="45720" numCol="1" anchor="t" anchorCtr="0" compatLnSpc="1"/>
           <a:lstStyle>
             <a:lvl1pPr>
               <a:defRPr sz="1200">
-                <a:latin typeface="Arial" charset="0"/>
-                <a:ea typeface="宋体" pitchFamily="2" charset="-122"/>
+                <a:latin typeface="Arial" panose="020B0604020202020204" pitchFamily="34" charset="0"/>
+                <a:ea typeface="宋体" panose="02010600030101010101" pitchFamily="2" charset="-122"/>
               </a:defRPr>
             </a:lvl1pPr>
           </a:lstStyle>
@@ -542,22 +508,16 @@
           <a:ln w="9525">
             <a:noFill/>
             <a:miter lim="800000"/>
-            <a:headEnd/>
-            <a:tailEnd/>
           </a:ln>
           <a:effectLst/>
         </p:spPr>
         <p:txBody>
-          <a:bodyPr vert="horz" wrap="square" lIns="91440" tIns="45720" rIns="91440" bIns="45720" numCol="1" anchor="t" anchorCtr="0" compatLnSpc="1">
-            <a:prstTxWarp prst="textNoShape">
-              <a:avLst/>
-            </a:prstTxWarp>
-          </a:bodyPr>
+          <a:bodyPr vert="horz" wrap="square" lIns="91440" tIns="45720" rIns="91440" bIns="45720" numCol="1" anchor="t" anchorCtr="0" compatLnSpc="1"/>
           <a:lstStyle>
             <a:lvl1pPr algn="r">
               <a:defRPr sz="1200">
-                <a:latin typeface="Arial" charset="0"/>
-                <a:ea typeface="宋体" pitchFamily="2" charset="-122"/>
+                <a:latin typeface="Arial" panose="020B0604020202020204" pitchFamily="34" charset="0"/>
+                <a:ea typeface="宋体" panose="02010600030101010101" pitchFamily="2" charset="-122"/>
               </a:defRPr>
             </a:lvl1pPr>
           </a:lstStyle>
@@ -593,8 +553,6 @@
               <a:srgbClr val="000000"/>
             </a:solidFill>
             <a:miter lim="800000"/>
-            <a:headEnd/>
-            <a:tailEnd/>
           </a:ln>
           <a:extLst>
             <a:ext uri="{909E8E84-426E-40DD-AFC4-6F175D3DCCD1}">
@@ -629,17 +587,11 @@
           <a:ln w="9525">
             <a:noFill/>
             <a:miter lim="800000"/>
-            <a:headEnd/>
-            <a:tailEnd/>
           </a:ln>
           <a:effectLst/>
         </p:spPr>
         <p:txBody>
-          <a:bodyPr vert="horz" wrap="square" lIns="91440" tIns="45720" rIns="91440" bIns="45720" numCol="1" anchor="t" anchorCtr="0" compatLnSpc="1">
-            <a:prstTxWarp prst="textNoShape">
-              <a:avLst/>
-            </a:prstTxWarp>
-          </a:bodyPr>
+          <a:bodyPr vert="horz" wrap="square" lIns="91440" tIns="45720" rIns="91440" bIns="45720" numCol="1" anchor="t" anchorCtr="0" compatLnSpc="1"/>
           <a:lstStyle/>
           <a:p>
             <a:pPr lvl="0"/>
@@ -700,22 +652,16 @@
           <a:ln w="9525">
             <a:noFill/>
             <a:miter lim="800000"/>
-            <a:headEnd/>
-            <a:tailEnd/>
           </a:ln>
           <a:effectLst/>
         </p:spPr>
         <p:txBody>
-          <a:bodyPr vert="horz" wrap="square" lIns="91440" tIns="45720" rIns="91440" bIns="45720" numCol="1" anchor="b" anchorCtr="0" compatLnSpc="1">
-            <a:prstTxWarp prst="textNoShape">
-              <a:avLst/>
-            </a:prstTxWarp>
-          </a:bodyPr>
+          <a:bodyPr vert="horz" wrap="square" lIns="91440" tIns="45720" rIns="91440" bIns="45720" numCol="1" anchor="b" anchorCtr="0" compatLnSpc="1"/>
           <a:lstStyle>
             <a:lvl1pPr>
               <a:defRPr sz="1200">
-                <a:latin typeface="Arial" charset="0"/>
-                <a:ea typeface="宋体" pitchFamily="2" charset="-122"/>
+                <a:latin typeface="Arial" panose="020B0604020202020204" pitchFamily="34" charset="0"/>
+                <a:ea typeface="宋体" panose="02010600030101010101" pitchFamily="2" charset="-122"/>
               </a:defRPr>
             </a:lvl1pPr>
           </a:lstStyle>
@@ -749,22 +695,16 @@
           <a:ln w="9525">
             <a:noFill/>
             <a:miter lim="800000"/>
-            <a:headEnd/>
-            <a:tailEnd/>
           </a:ln>
           <a:effectLst/>
         </p:spPr>
         <p:txBody>
-          <a:bodyPr vert="horz" wrap="square" lIns="91440" tIns="45720" rIns="91440" bIns="45720" numCol="1" anchor="b" anchorCtr="0" compatLnSpc="1">
-            <a:prstTxWarp prst="textNoShape">
-              <a:avLst/>
-            </a:prstTxWarp>
-          </a:bodyPr>
+          <a:bodyPr vert="horz" wrap="square" lIns="91440" tIns="45720" rIns="91440" bIns="45720" numCol="1" anchor="b" anchorCtr="0" compatLnSpc="1"/>
           <a:lstStyle>
             <a:lvl1pPr algn="r">
               <a:defRPr sz="1200">
-                <a:latin typeface="Arial" charset="0"/>
-                <a:ea typeface="宋体" pitchFamily="2" charset="-122"/>
+                <a:latin typeface="Arial" panose="020B0604020202020204" pitchFamily="34" charset="0"/>
+                <a:ea typeface="宋体" panose="02010600030101010101" pitchFamily="2" charset="-122"/>
               </a:defRPr>
             </a:lvl1pPr>
           </a:lstStyle>
@@ -774,9 +714,6 @@
             </a:pPr>
             <a:fld id="{06DBFBB8-2C88-4EF5-ACA0-AB33D3C579D0}" type="slidenum">
               <a:rPr lang="en-US" altLang="zh-CN"/>
-              <a:pPr>
-                <a:defRPr/>
-              </a:pPr>
               <a:t>‹#›</a:t>
             </a:fld>
             <a:endParaRPr lang="en-US" altLang="zh-CN" dirty="0"/>
@@ -786,7 +723,7 @@
     </p:spTree>
     <p:extLst>
       <p:ext uri="{BB962C8B-B14F-4D97-AF65-F5344CB8AC3E}">
-        <p14:creationId xmlns:p14="http://schemas.microsoft.com/office/powerpoint/2010/main" val="2953713297"/>
+        <p14:creationId xmlns:p14="http://schemas.microsoft.com/office/powerpoint/2010/main" val="3400539743"/>
       </p:ext>
     </p:extLst>
   </p:cSld>
@@ -804,8 +741,8 @@
         <a:solidFill>
           <a:schemeClr val="tx1"/>
         </a:solidFill>
-        <a:latin typeface="Arial" charset="0"/>
-        <a:ea typeface="宋体" pitchFamily="2" charset="-122"/>
+        <a:latin typeface="Arial" panose="020B0604020202020204" pitchFamily="34" charset="0"/>
+        <a:ea typeface="宋体" panose="02010600030101010101" pitchFamily="2" charset="-122"/>
         <a:cs typeface="+mn-cs"/>
       </a:defRPr>
     </a:lvl1pPr>
@@ -820,8 +757,8 @@
         <a:solidFill>
           <a:schemeClr val="tx1"/>
         </a:solidFill>
-        <a:latin typeface="Arial" charset="0"/>
-        <a:ea typeface="宋体" pitchFamily="2" charset="-122"/>
+        <a:latin typeface="Arial" panose="020B0604020202020204" pitchFamily="34" charset="0"/>
+        <a:ea typeface="宋体" panose="02010600030101010101" pitchFamily="2" charset="-122"/>
         <a:cs typeface="+mn-cs"/>
       </a:defRPr>
     </a:lvl2pPr>
@@ -836,8 +773,8 @@
         <a:solidFill>
           <a:schemeClr val="tx1"/>
         </a:solidFill>
-        <a:latin typeface="Arial" charset="0"/>
-        <a:ea typeface="宋体" pitchFamily="2" charset="-122"/>
+        <a:latin typeface="Arial" panose="020B0604020202020204" pitchFamily="34" charset="0"/>
+        <a:ea typeface="宋体" panose="02010600030101010101" pitchFamily="2" charset="-122"/>
         <a:cs typeface="+mn-cs"/>
       </a:defRPr>
     </a:lvl3pPr>
@@ -852,8 +789,8 @@
         <a:solidFill>
           <a:schemeClr val="tx1"/>
         </a:solidFill>
-        <a:latin typeface="Arial" charset="0"/>
-        <a:ea typeface="宋体" pitchFamily="2" charset="-122"/>
+        <a:latin typeface="Arial" panose="020B0604020202020204" pitchFamily="34" charset="0"/>
+        <a:ea typeface="宋体" panose="02010600030101010101" pitchFamily="2" charset="-122"/>
         <a:cs typeface="+mn-cs"/>
       </a:defRPr>
     </a:lvl4pPr>
@@ -868,8 +805,8 @@
         <a:solidFill>
           <a:schemeClr val="tx1"/>
         </a:solidFill>
-        <a:latin typeface="Arial" charset="0"/>
-        <a:ea typeface="宋体" pitchFamily="2" charset="-122"/>
+        <a:latin typeface="Arial" panose="020B0604020202020204" pitchFamily="34" charset="0"/>
+        <a:ea typeface="宋体" panose="02010600030101010101" pitchFamily="2" charset="-122"/>
         <a:cs typeface="+mn-cs"/>
       </a:defRPr>
     </a:lvl5pPr>
@@ -968,7 +905,190 @@
     </p:spTree>
     <p:extLst>
       <p:ext uri="{BB962C8B-B14F-4D97-AF65-F5344CB8AC3E}">
-        <p14:creationId xmlns:p14="http://schemas.microsoft.com/office/powerpoint/2010/main" val="514759561"/>
+        <p14:creationId xmlns:p14="http://schemas.microsoft.com/office/powerpoint/2010/main" val="3284423799"/>
+      </p:ext>
+    </p:extLst>
+  </p:cSld>
+  <p:clrMapOvr>
+    <a:masterClrMapping/>
+  </p:clrMapOvr>
+</p:notes>
+</file>
+
+<file path=ppt/notesSlides/notesSlide10.xml><?xml version="1.0" encoding="utf-8"?>
+<p:notes xmlns:a="http://schemas.openxmlformats.org/drawingml/2006/main" xmlns:r="http://schemas.openxmlformats.org/officeDocument/2006/relationships" xmlns:p="http://schemas.openxmlformats.org/presentationml/2006/main">
+  <p:cSld>
+    <p:spTree>
+      <p:nvGrpSpPr>
+        <p:cNvPr id="1" name=""/>
+        <p:cNvGrpSpPr/>
+        <p:nvPr/>
+      </p:nvGrpSpPr>
+      <p:grpSpPr>
+        <a:xfrm>
+          <a:off x="0" y="0"/>
+          <a:ext cx="0" cy="0"/>
+          <a:chOff x="0" y="0"/>
+          <a:chExt cx="0" cy="0"/>
+        </a:xfrm>
+      </p:grpSpPr>
+      <p:sp>
+        <p:nvSpPr>
+          <p:cNvPr id="2" name="幻灯片图像占位符 1"/>
+          <p:cNvSpPr>
+            <a:spLocks noGrp="1" noRot="1" noChangeAspect="1"/>
+          </p:cNvSpPr>
+          <p:nvPr>
+            <p:ph type="sldImg"/>
+          </p:nvPr>
+        </p:nvSpPr>
+        <p:spPr/>
+      </p:sp>
+      <p:sp>
+        <p:nvSpPr>
+          <p:cNvPr id="3" name="备注占位符 2"/>
+          <p:cNvSpPr>
+            <a:spLocks noGrp="1"/>
+          </p:cNvSpPr>
+          <p:nvPr>
+            <p:ph type="body" idx="1"/>
+          </p:nvPr>
+        </p:nvSpPr>
+        <p:spPr/>
+        <p:txBody>
+          <a:bodyPr/>
+          <a:lstStyle/>
+          <a:p>
+            <a:endParaRPr lang="zh-CN" altLang="en-US"/>
+          </a:p>
+        </p:txBody>
+      </p:sp>
+    </p:spTree>
+    <p:extLst>
+      <p:ext uri="{BB962C8B-B14F-4D97-AF65-F5344CB8AC3E}">
+        <p14:creationId xmlns:p14="http://schemas.microsoft.com/office/powerpoint/2010/main" val="535544929"/>
+      </p:ext>
+    </p:extLst>
+  </p:cSld>
+  <p:clrMapOvr>
+    <a:masterClrMapping/>
+  </p:clrMapOvr>
+</p:notes>
+</file>
+
+<file path=ppt/notesSlides/notesSlide11.xml><?xml version="1.0" encoding="utf-8"?>
+<p:notes xmlns:a="http://schemas.openxmlformats.org/drawingml/2006/main" xmlns:r="http://schemas.openxmlformats.org/officeDocument/2006/relationships" xmlns:p="http://schemas.openxmlformats.org/presentationml/2006/main">
+  <p:cSld>
+    <p:spTree>
+      <p:nvGrpSpPr>
+        <p:cNvPr id="1" name=""/>
+        <p:cNvGrpSpPr/>
+        <p:nvPr/>
+      </p:nvGrpSpPr>
+      <p:grpSpPr>
+        <a:xfrm>
+          <a:off x="0" y="0"/>
+          <a:ext cx="0" cy="0"/>
+          <a:chOff x="0" y="0"/>
+          <a:chExt cx="0" cy="0"/>
+        </a:xfrm>
+      </p:grpSpPr>
+      <p:sp>
+        <p:nvSpPr>
+          <p:cNvPr id="2" name="幻灯片图像占位符 1"/>
+          <p:cNvSpPr>
+            <a:spLocks noGrp="1" noRot="1" noChangeAspect="1"/>
+          </p:cNvSpPr>
+          <p:nvPr>
+            <p:ph type="sldImg" idx="2"/>
+          </p:nvPr>
+        </p:nvSpPr>
+        <p:spPr/>
+      </p:sp>
+      <p:sp>
+        <p:nvSpPr>
+          <p:cNvPr id="3" name="文本占位符 2"/>
+          <p:cNvSpPr>
+            <a:spLocks noGrp="1"/>
+          </p:cNvSpPr>
+          <p:nvPr>
+            <p:ph type="body" idx="3"/>
+          </p:nvPr>
+        </p:nvSpPr>
+        <p:spPr/>
+        <p:txBody>
+          <a:bodyPr/>
+          <a:lstStyle/>
+          <a:p>
+            <a:endParaRPr lang="zh-CN" altLang="en-US"/>
+          </a:p>
+        </p:txBody>
+      </p:sp>
+    </p:spTree>
+    <p:extLst>
+      <p:ext uri="{BB962C8B-B14F-4D97-AF65-F5344CB8AC3E}">
+        <p14:creationId xmlns:p14="http://schemas.microsoft.com/office/powerpoint/2010/main" val="1076134409"/>
+      </p:ext>
+    </p:extLst>
+  </p:cSld>
+  <p:clrMapOvr>
+    <a:masterClrMapping/>
+  </p:clrMapOvr>
+</p:notes>
+</file>
+
+<file path=ppt/notesSlides/notesSlide12.xml><?xml version="1.0" encoding="utf-8"?>
+<p:notes xmlns:a="http://schemas.openxmlformats.org/drawingml/2006/main" xmlns:r="http://schemas.openxmlformats.org/officeDocument/2006/relationships" xmlns:p="http://schemas.openxmlformats.org/presentationml/2006/main">
+  <p:cSld>
+    <p:spTree>
+      <p:nvGrpSpPr>
+        <p:cNvPr id="1" name=""/>
+        <p:cNvGrpSpPr/>
+        <p:nvPr/>
+      </p:nvGrpSpPr>
+      <p:grpSpPr>
+        <a:xfrm>
+          <a:off x="0" y="0"/>
+          <a:ext cx="0" cy="0"/>
+          <a:chOff x="0" y="0"/>
+          <a:chExt cx="0" cy="0"/>
+        </a:xfrm>
+      </p:grpSpPr>
+      <p:sp>
+        <p:nvSpPr>
+          <p:cNvPr id="2" name="幻灯片图像占位符 1"/>
+          <p:cNvSpPr>
+            <a:spLocks noGrp="1" noRot="1" noChangeAspect="1"/>
+          </p:cNvSpPr>
+          <p:nvPr>
+            <p:ph type="sldImg" idx="2"/>
+          </p:nvPr>
+        </p:nvSpPr>
+        <p:spPr/>
+      </p:sp>
+      <p:sp>
+        <p:nvSpPr>
+          <p:cNvPr id="3" name="文本占位符 2"/>
+          <p:cNvSpPr>
+            <a:spLocks noGrp="1"/>
+          </p:cNvSpPr>
+          <p:nvPr>
+            <p:ph type="body" idx="3"/>
+          </p:nvPr>
+        </p:nvSpPr>
+        <p:spPr/>
+        <p:txBody>
+          <a:bodyPr/>
+          <a:lstStyle/>
+          <a:p>
+            <a:endParaRPr lang="zh-CN" altLang="en-US"/>
+          </a:p>
+        </p:txBody>
+      </p:sp>
+    </p:spTree>
+    <p:extLst>
+      <p:ext uri="{BB962C8B-B14F-4D97-AF65-F5344CB8AC3E}">
+        <p14:creationId xmlns:p14="http://schemas.microsoft.com/office/powerpoint/2010/main" val="4060599407"/>
       </p:ext>
     </p:extLst>
   </p:cSld>
@@ -979,6 +1099,80 @@
 </file>
 
 <file path=ppt/notesSlides/notesSlide2.xml><?xml version="1.0" encoding="utf-8"?>
+<p:notes xmlns:a="http://schemas.openxmlformats.org/drawingml/2006/main" xmlns:r="http://schemas.openxmlformats.org/officeDocument/2006/relationships" xmlns:p="http://schemas.openxmlformats.org/presentationml/2006/main">
+  <p:cSld>
+    <p:spTree>
+      <p:nvGrpSpPr>
+        <p:cNvPr id="1" name=""/>
+        <p:cNvGrpSpPr/>
+        <p:nvPr/>
+      </p:nvGrpSpPr>
+      <p:grpSpPr>
+        <a:xfrm>
+          <a:off x="0" y="0"/>
+          <a:ext cx="0" cy="0"/>
+          <a:chOff x="0" y="0"/>
+          <a:chExt cx="0" cy="0"/>
+        </a:xfrm>
+      </p:grpSpPr>
+      <p:sp>
+        <p:nvSpPr>
+          <p:cNvPr id="2" name="幻灯片图像占位符 1"/>
+          <p:cNvSpPr>
+            <a:spLocks noGrp="1" noRot="1" noChangeAspect="1"/>
+          </p:cNvSpPr>
+          <p:nvPr>
+            <p:ph type="sldImg" idx="2"/>
+          </p:nvPr>
+        </p:nvSpPr>
+        <p:spPr/>
+      </p:sp>
+      <p:sp>
+        <p:nvSpPr>
+          <p:cNvPr id="3" name="文本占位符 2"/>
+          <p:cNvSpPr>
+            <a:spLocks noGrp="1"/>
+          </p:cNvSpPr>
+          <p:nvPr>
+            <p:ph type="body" idx="3"/>
+          </p:nvPr>
+        </p:nvSpPr>
+        <p:spPr/>
+        <p:txBody>
+          <a:bodyPr/>
+          <a:lstStyle/>
+          <a:p>
+            <a:r>
+              <a:rPr lang="zh-CN" altLang="en-US"/>
+              <a:t>强边界点，是覆盖所有输入条件的所有边界组合  </a:t>
+            </a:r>
+          </a:p>
+          <a:p>
+            <a:r>
+              <a:rPr lang="zh-CN" altLang="en-US"/>
+              <a:t>弱边界法，仅覆盖输入条件的某个边界点</a:t>
+            </a:r>
+            <a:r>
+              <a:rPr lang="en-US" altLang="zh-CN"/>
+              <a:t>qing</a:t>
+            </a:r>
+          </a:p>
+        </p:txBody>
+      </p:sp>
+    </p:spTree>
+    <p:extLst>
+      <p:ext uri="{BB962C8B-B14F-4D97-AF65-F5344CB8AC3E}">
+        <p14:creationId xmlns:p14="http://schemas.microsoft.com/office/powerpoint/2010/main" val="110341175"/>
+      </p:ext>
+    </p:extLst>
+  </p:cSld>
+  <p:clrMapOvr>
+    <a:masterClrMapping/>
+  </p:clrMapOvr>
+</p:notes>
+</file>
+
+<file path=ppt/notesSlides/notesSlide3.xml><?xml version="1.0" encoding="utf-8"?>
 <p:notes xmlns:a="http://schemas.openxmlformats.org/drawingml/2006/main" xmlns:r="http://schemas.openxmlformats.org/officeDocument/2006/relationships" xmlns:p="http://schemas.openxmlformats.org/presentationml/2006/main">
   <p:cSld>
     <p:spTree>
@@ -1036,7 +1230,6 @@
               <a:buSzTx/>
               <a:buFontTx/>
               <a:buNone/>
-              <a:tabLst/>
               <a:defRPr/>
             </a:pPr>
             <a:r>
@@ -1045,14 +1238,17 @@
             </a:r>
           </a:p>
           <a:p>
-            <a:endParaRPr lang="zh-CN" altLang="en-US" dirty="0"/>
+            <a:r>
+              <a:rPr lang="zh-CN" altLang="en-US" dirty="0"/>
+              <a:t>可以看到这样补充的话，用例就会很多，而且也会有冗余，如何选择呢，看这节课的正交法，就会有很好的解决方案</a:t>
+            </a:r>
           </a:p>
         </p:txBody>
       </p:sp>
     </p:spTree>
     <p:extLst>
       <p:ext uri="{BB962C8B-B14F-4D97-AF65-F5344CB8AC3E}">
-        <p14:creationId xmlns:p14="http://schemas.microsoft.com/office/powerpoint/2010/main" val="2497890010"/>
+        <p14:creationId xmlns:p14="http://schemas.microsoft.com/office/powerpoint/2010/main" val="1477784347"/>
       </p:ext>
     </p:extLst>
   </p:cSld>
@@ -1062,7 +1258,135 @@
 </p:notes>
 </file>
 
-<file path=ppt/notesSlides/notesSlide3.xml><?xml version="1.0" encoding="utf-8"?>
+<file path=ppt/notesSlides/notesSlide4.xml><?xml version="1.0" encoding="utf-8"?>
+<p:notes xmlns:a="http://schemas.openxmlformats.org/drawingml/2006/main" xmlns:r="http://schemas.openxmlformats.org/officeDocument/2006/relationships" xmlns:p="http://schemas.openxmlformats.org/presentationml/2006/main">
+  <p:cSld>
+    <p:spTree>
+      <p:nvGrpSpPr>
+        <p:cNvPr id="1" name=""/>
+        <p:cNvGrpSpPr/>
+        <p:nvPr/>
+      </p:nvGrpSpPr>
+      <p:grpSpPr>
+        <a:xfrm>
+          <a:off x="0" y="0"/>
+          <a:ext cx="0" cy="0"/>
+          <a:chOff x="0" y="0"/>
+          <a:chExt cx="0" cy="0"/>
+        </a:xfrm>
+      </p:grpSpPr>
+      <p:sp>
+        <p:nvSpPr>
+          <p:cNvPr id="2" name="幻灯片图像占位符 1"/>
+          <p:cNvSpPr>
+            <a:spLocks noGrp="1" noRot="1" noChangeAspect="1"/>
+          </p:cNvSpPr>
+          <p:nvPr>
+            <p:ph type="sldImg" idx="2"/>
+          </p:nvPr>
+        </p:nvSpPr>
+        <p:spPr/>
+      </p:sp>
+      <p:sp>
+        <p:nvSpPr>
+          <p:cNvPr id="3" name="文本占位符 2"/>
+          <p:cNvSpPr>
+            <a:spLocks noGrp="1"/>
+          </p:cNvSpPr>
+          <p:nvPr>
+            <p:ph type="body" idx="3"/>
+          </p:nvPr>
+        </p:nvSpPr>
+        <p:spPr/>
+        <p:txBody>
+          <a:bodyPr/>
+          <a:lstStyle/>
+          <a:p>
+            <a:r>
+              <a:rPr lang="zh-CN" altLang="en-US"/>
+              <a:t>这种情况是要考虑各种条件的各种值的组合情况，那么用等价类和边界值都不太适用。那怎么设计呢？</a:t>
+            </a:r>
+          </a:p>
+        </p:txBody>
+      </p:sp>
+    </p:spTree>
+    <p:extLst>
+      <p:ext uri="{BB962C8B-B14F-4D97-AF65-F5344CB8AC3E}">
+        <p14:creationId xmlns:p14="http://schemas.microsoft.com/office/powerpoint/2010/main" val="1092442035"/>
+      </p:ext>
+    </p:extLst>
+  </p:cSld>
+  <p:clrMapOvr>
+    <a:masterClrMapping/>
+  </p:clrMapOvr>
+</p:notes>
+</file>
+
+<file path=ppt/notesSlides/notesSlide5.xml><?xml version="1.0" encoding="utf-8"?>
+<p:notes xmlns:a="http://schemas.openxmlformats.org/drawingml/2006/main" xmlns:r="http://schemas.openxmlformats.org/officeDocument/2006/relationships" xmlns:p="http://schemas.openxmlformats.org/presentationml/2006/main">
+  <p:cSld>
+    <p:spTree>
+      <p:nvGrpSpPr>
+        <p:cNvPr id="1" name=""/>
+        <p:cNvGrpSpPr/>
+        <p:nvPr/>
+      </p:nvGrpSpPr>
+      <p:grpSpPr>
+        <a:xfrm>
+          <a:off x="0" y="0"/>
+          <a:ext cx="0" cy="0"/>
+          <a:chOff x="0" y="0"/>
+          <a:chExt cx="0" cy="0"/>
+        </a:xfrm>
+      </p:grpSpPr>
+      <p:sp>
+        <p:nvSpPr>
+          <p:cNvPr id="2" name="幻灯片图像占位符 1"/>
+          <p:cNvSpPr>
+            <a:spLocks noGrp="1" noRot="1" noChangeAspect="1"/>
+          </p:cNvSpPr>
+          <p:nvPr>
+            <p:ph type="sldImg" idx="2"/>
+          </p:nvPr>
+        </p:nvSpPr>
+        <p:spPr/>
+      </p:sp>
+      <p:sp>
+        <p:nvSpPr>
+          <p:cNvPr id="3" name="文本占位符 2"/>
+          <p:cNvSpPr>
+            <a:spLocks noGrp="1"/>
+          </p:cNvSpPr>
+          <p:nvPr>
+            <p:ph type="body" idx="3"/>
+          </p:nvPr>
+        </p:nvSpPr>
+        <p:spPr/>
+        <p:txBody>
+          <a:bodyPr/>
+          <a:lstStyle/>
+          <a:p>
+            <a:r>
+              <a:rPr lang="zh-CN" altLang="en-US"/>
+              <a:t>先看下这个实验，来了解下正交实验设计的思想</a:t>
+            </a:r>
+          </a:p>
+        </p:txBody>
+      </p:sp>
+    </p:spTree>
+    <p:extLst>
+      <p:ext uri="{BB962C8B-B14F-4D97-AF65-F5344CB8AC3E}">
+        <p14:creationId xmlns:p14="http://schemas.microsoft.com/office/powerpoint/2010/main" val="2915510732"/>
+      </p:ext>
+    </p:extLst>
+  </p:cSld>
+  <p:clrMapOvr>
+    <a:masterClrMapping/>
+  </p:clrMapOvr>
+</p:notes>
+</file>
+
+<file path=ppt/notesSlides/notesSlide6.xml><?xml version="1.0" encoding="utf-8"?>
 <p:notes xmlns:a="http://schemas.openxmlformats.org/drawingml/2006/main" xmlns:r="http://schemas.openxmlformats.org/officeDocument/2006/relationships" xmlns:p="http://schemas.openxmlformats.org/presentationml/2006/main">
   <p:cSld>
     <p:spTree>
@@ -1113,7 +1437,7 @@
     </p:spTree>
     <p:extLst>
       <p:ext uri="{BB962C8B-B14F-4D97-AF65-F5344CB8AC3E}">
-        <p14:creationId xmlns:p14="http://schemas.microsoft.com/office/powerpoint/2010/main" val="280271442"/>
+        <p14:creationId xmlns:p14="http://schemas.microsoft.com/office/powerpoint/2010/main" val="1944348881"/>
       </p:ext>
     </p:extLst>
   </p:cSld>
@@ -1123,7 +1447,7 @@
 </p:notes>
 </file>
 
-<file path=ppt/notesSlides/notesSlide4.xml><?xml version="1.0" encoding="utf-8"?>
+<file path=ppt/notesSlides/notesSlide7.xml><?xml version="1.0" encoding="utf-8"?>
 <p:notes xmlns:a="http://schemas.openxmlformats.org/drawingml/2006/main" xmlns:r="http://schemas.openxmlformats.org/officeDocument/2006/relationships" xmlns:p="http://schemas.openxmlformats.org/presentationml/2006/main">
   <p:cSld>
     <p:spTree>
@@ -1147,25 +1471,167 @@
             <a:spLocks noGrp="1" noRot="1" noChangeAspect="1"/>
           </p:cNvSpPr>
           <p:nvPr>
-            <p:ph type="sldImg"/>
+            <p:ph type="sldImg" idx="2"/>
           </p:nvPr>
         </p:nvSpPr>
         <p:spPr/>
       </p:sp>
       <p:sp>
         <p:nvSpPr>
-          <p:cNvPr id="3" name="备注占位符 2"/>
+          <p:cNvPr id="3" name="文本占位符 2"/>
           <p:cNvSpPr>
             <a:spLocks noGrp="1"/>
           </p:cNvSpPr>
           <p:nvPr>
-            <p:ph type="body" idx="1"/>
+            <p:ph type="body" idx="3"/>
           </p:nvPr>
         </p:nvSpPr>
         <p:spPr/>
         <p:txBody>
           <a:bodyPr/>
           <a:lstStyle/>
+          <a:p>
+            <a:r>
+              <a:rPr lang="zh-CN" altLang="en-US"/>
+              <a:t>正交试验设计法，就是使用已经造好了的表格--正交表--来安排试验并进行数据分析的一种方法</a:t>
+            </a:r>
+          </a:p>
+        </p:txBody>
+      </p:sp>
+    </p:spTree>
+    <p:extLst>
+      <p:ext uri="{BB962C8B-B14F-4D97-AF65-F5344CB8AC3E}">
+        <p14:creationId xmlns:p14="http://schemas.microsoft.com/office/powerpoint/2010/main" val="3710587189"/>
+      </p:ext>
+    </p:extLst>
+  </p:cSld>
+  <p:clrMapOvr>
+    <a:masterClrMapping/>
+  </p:clrMapOvr>
+</p:notes>
+</file>
+
+<file path=ppt/notesSlides/notesSlide8.xml><?xml version="1.0" encoding="utf-8"?>
+<p:notes xmlns:a="http://schemas.openxmlformats.org/drawingml/2006/main" xmlns:r="http://schemas.openxmlformats.org/officeDocument/2006/relationships" xmlns:p="http://schemas.openxmlformats.org/presentationml/2006/main">
+  <p:cSld>
+    <p:spTree>
+      <p:nvGrpSpPr>
+        <p:cNvPr id="1" name=""/>
+        <p:cNvGrpSpPr/>
+        <p:nvPr/>
+      </p:nvGrpSpPr>
+      <p:grpSpPr>
+        <a:xfrm>
+          <a:off x="0" y="0"/>
+          <a:ext cx="0" cy="0"/>
+          <a:chOff x="0" y="0"/>
+          <a:chExt cx="0" cy="0"/>
+        </a:xfrm>
+      </p:grpSpPr>
+      <p:sp>
+        <p:nvSpPr>
+          <p:cNvPr id="2" name="幻灯片图像占位符 1"/>
+          <p:cNvSpPr>
+            <a:spLocks noGrp="1" noRot="1" noChangeAspect="1"/>
+          </p:cNvSpPr>
+          <p:nvPr>
+            <p:ph type="sldImg" idx="2"/>
+          </p:nvPr>
+        </p:nvSpPr>
+        <p:spPr/>
+      </p:sp>
+      <p:sp>
+        <p:nvSpPr>
+          <p:cNvPr id="3" name="文本占位符 2"/>
+          <p:cNvSpPr>
+            <a:spLocks noGrp="1"/>
+          </p:cNvSpPr>
+          <p:nvPr>
+            <p:ph type="body" idx="3"/>
+          </p:nvPr>
+        </p:nvSpPr>
+        <p:spPr/>
+        <p:txBody>
+          <a:bodyPr/>
+          <a:lstStyle/>
+          <a:p>
+            <a:r>
+              <a:rPr lang="zh-CN" altLang="en-US"/>
+              <a:t>常用的正交表有</a:t>
+            </a:r>
+            <a:r>
+              <a:rPr lang="en-US" altLang="zh-CN"/>
+              <a:t>L8 27 L9 34  L16 45  </a:t>
+            </a:r>
+            <a:r>
+              <a:rPr lang="zh-CN" altLang="en-US"/>
+              <a:t>等</a:t>
+            </a:r>
+          </a:p>
+        </p:txBody>
+      </p:sp>
+    </p:spTree>
+    <p:extLst>
+      <p:ext uri="{BB962C8B-B14F-4D97-AF65-F5344CB8AC3E}">
+        <p14:creationId xmlns:p14="http://schemas.microsoft.com/office/powerpoint/2010/main" val="1983364713"/>
+      </p:ext>
+    </p:extLst>
+  </p:cSld>
+  <p:clrMapOvr>
+    <a:masterClrMapping/>
+  </p:clrMapOvr>
+</p:notes>
+</file>
+
+<file path=ppt/notesSlides/notesSlide9.xml><?xml version="1.0" encoding="utf-8"?>
+<p:notes xmlns:a="http://schemas.openxmlformats.org/drawingml/2006/main" xmlns:r="http://schemas.openxmlformats.org/officeDocument/2006/relationships" xmlns:p="http://schemas.openxmlformats.org/presentationml/2006/main">
+  <p:cSld>
+    <p:spTree>
+      <p:nvGrpSpPr>
+        <p:cNvPr id="1" name=""/>
+        <p:cNvGrpSpPr/>
+        <p:nvPr/>
+      </p:nvGrpSpPr>
+      <p:grpSpPr>
+        <a:xfrm>
+          <a:off x="0" y="0"/>
+          <a:ext cx="0" cy="0"/>
+          <a:chOff x="0" y="0"/>
+          <a:chExt cx="0" cy="0"/>
+        </a:xfrm>
+      </p:grpSpPr>
+      <p:sp>
+        <p:nvSpPr>
+          <p:cNvPr id="2" name="幻灯片图像占位符 1"/>
+          <p:cNvSpPr>
+            <a:spLocks noGrp="1" noRot="1" noChangeAspect="1"/>
+          </p:cNvSpPr>
+          <p:nvPr>
+            <p:ph type="sldImg" idx="2"/>
+          </p:nvPr>
+        </p:nvSpPr>
+        <p:spPr/>
+      </p:sp>
+      <p:sp>
+        <p:nvSpPr>
+          <p:cNvPr id="3" name="文本占位符 2"/>
+          <p:cNvSpPr>
+            <a:spLocks noGrp="1"/>
+          </p:cNvSpPr>
+          <p:nvPr>
+            <p:ph type="body" idx="3"/>
+          </p:nvPr>
+        </p:nvSpPr>
+        <p:spPr/>
+        <p:txBody>
+          <a:bodyPr/>
+          <a:lstStyle/>
+          <a:p>
+            <a:r>
+              <a:rPr lang="zh-CN" altLang="en-US"/>
+              <a:t>正交表是这个日本统计学家已经统计好的表格</a:t>
+            </a:r>
+          </a:p>
           <a:p>
             <a:endParaRPr lang="zh-CN" altLang="en-US"/>
           </a:p>
@@ -1174,7 +1640,7 @@
     </p:spTree>
     <p:extLst>
       <p:ext uri="{BB962C8B-B14F-4D97-AF65-F5344CB8AC3E}">
-        <p14:creationId xmlns:p14="http://schemas.microsoft.com/office/powerpoint/2010/main" val="1260759762"/>
+        <p14:creationId xmlns:p14="http://schemas.microsoft.com/office/powerpoint/2010/main" val="4237663005"/>
       </p:ext>
     </p:extLst>
   </p:cSld>
@@ -1252,7 +1718,7 @@
           <a:bodyPr/>
           <a:lstStyle>
             <a:lvl1pPr marL="0" indent="0">
-              <a:buFont typeface="Wingdings" pitchFamily="2" charset="2"/>
+              <a:buFont typeface="Wingdings" panose="05000000000000000000" pitchFamily="2" charset="2"/>
               <a:buNone/>
               <a:defRPr sz="2800"/>
             </a:lvl1pPr>
@@ -1301,11 +1767,6 @@
         </p:spPr>
       </p:pic>
     </p:spTree>
-    <p:extLst>
-      <p:ext uri="{BB962C8B-B14F-4D97-AF65-F5344CB8AC3E}">
-        <p14:creationId xmlns:p14="http://schemas.microsoft.com/office/powerpoint/2010/main" val="2717098660"/>
-      </p:ext>
-    </p:extLst>
   </p:cSld>
   <p:clrMapOvr>
     <a:masterClrMapping/>
@@ -1383,14 +1844,14 @@
                 <a:ea typeface="楷体" panose="02010609060101010101" pitchFamily="49" charset="-122"/>
               </a:defRPr>
             </a:lvl1pPr>
-            <a:lvl2pPr marL="908050" indent="-436563">
+            <a:lvl2pPr marL="908050" indent="-436880">
               <a:buFont typeface="Wingdings" panose="05000000000000000000" pitchFamily="2" charset="2"/>
               <a:buChar char="l"/>
               <a:defRPr baseline="0">
                 <a:ea typeface="楷体" panose="02010609060101010101" pitchFamily="49" charset="-122"/>
               </a:defRPr>
             </a:lvl2pPr>
-            <a:lvl3pPr marL="1304925" indent="-395288">
+            <a:lvl3pPr marL="1304925" indent="-395605">
               <a:buFont typeface="Arial" panose="020B0604020202020204" pitchFamily="34" charset="0"/>
               <a:buChar char="•"/>
               <a:defRPr baseline="0">
@@ -1456,7 +1917,6 @@
           <a:prstGeom prst="rect">
             <a:avLst/>
           </a:prstGeom>
-          <a:ln/>
         </p:spPr>
         <p:txBody>
           <a:bodyPr/>
@@ -1491,7 +1951,6 @@
           <a:prstGeom prst="rect">
             <a:avLst/>
           </a:prstGeom>
-          <a:ln/>
         </p:spPr>
         <p:txBody>
           <a:bodyPr/>
@@ -1509,11 +1968,6 @@
         </p:txBody>
       </p:sp>
     </p:spTree>
-    <p:extLst>
-      <p:ext uri="{BB962C8B-B14F-4D97-AF65-F5344CB8AC3E}">
-        <p14:creationId xmlns:p14="http://schemas.microsoft.com/office/powerpoint/2010/main" val="3364467347"/>
-      </p:ext>
-    </p:extLst>
   </p:cSld>
   <p:clrMapOvr>
     <a:masterClrMapping/>
@@ -1610,7 +2064,7 @@
                 <a:ea typeface="华文新魏" panose="02010800040101010101" pitchFamily="2" charset="-122"/>
               </a:defRPr>
             </a:lvl2pPr>
-            <a:lvl3pPr marL="1304925" indent="-395288">
+            <a:lvl3pPr marL="1304925" indent="-395605">
               <a:defRPr lang="zh-CN" altLang="en-US" sz="2400" b="1" baseline="0" dirty="0" smtClean="0">
                 <a:solidFill>
                   <a:srgbClr val="0000FF"/>
@@ -1653,7 +2107,7 @@
             </a:r>
           </a:p>
           <a:p>
-            <a:pPr marL="1304925" lvl="2" indent="-395288" algn="l" rtl="0" eaLnBrk="0" fontAlgn="base" hangingPunct="0">
+            <a:pPr marL="1304925" lvl="2" indent="-395605" algn="l" rtl="0" eaLnBrk="0" fontAlgn="base" hangingPunct="0">
               <a:lnSpc>
                 <a:spcPct val="150000"/>
               </a:lnSpc>
@@ -1701,7 +2155,6 @@
           <a:prstGeom prst="rect">
             <a:avLst/>
           </a:prstGeom>
-          <a:ln/>
         </p:spPr>
         <p:txBody>
           <a:bodyPr/>
@@ -1736,7 +2189,6 @@
           <a:prstGeom prst="rect">
             <a:avLst/>
           </a:prstGeom>
-          <a:ln/>
         </p:spPr>
         <p:txBody>
           <a:bodyPr/>
@@ -1754,11 +2206,6 @@
         </p:txBody>
       </p:sp>
     </p:spTree>
-    <p:extLst>
-      <p:ext uri="{BB962C8B-B14F-4D97-AF65-F5344CB8AC3E}">
-        <p14:creationId xmlns:p14="http://schemas.microsoft.com/office/powerpoint/2010/main" val="3846945651"/>
-      </p:ext>
-    </p:extLst>
   </p:cSld>
   <p:clrMapOvr>
     <a:masterClrMapping/>
@@ -1908,7 +2355,6 @@
           <a:prstGeom prst="rect">
             <a:avLst/>
           </a:prstGeom>
-          <a:ln/>
         </p:spPr>
         <p:txBody>
           <a:bodyPr/>
@@ -1943,7 +2389,6 @@
           <a:prstGeom prst="rect">
             <a:avLst/>
           </a:prstGeom>
-          <a:ln/>
         </p:spPr>
         <p:txBody>
           <a:bodyPr/>
@@ -1978,7 +2423,6 @@
           <a:prstGeom prst="rect">
             <a:avLst/>
           </a:prstGeom>
-          <a:ln/>
         </p:spPr>
         <p:txBody>
           <a:bodyPr/>
@@ -1993,9 +2437,6 @@
             </a:pPr>
             <a:fld id="{B62FBA93-7C77-4D32-BA8C-F7EFDB1910E6}" type="slidenum">
               <a:rPr lang="en-US" altLang="zh-CN"/>
-              <a:pPr>
-                <a:defRPr/>
-              </a:pPr>
               <a:t>‹#›</a:t>
             </a:fld>
             <a:endParaRPr lang="en-US" altLang="zh-CN" dirty="0"/>
@@ -2003,11 +2444,6 @@
         </p:txBody>
       </p:sp>
     </p:spTree>
-    <p:extLst>
-      <p:ext uri="{BB962C8B-B14F-4D97-AF65-F5344CB8AC3E}">
-        <p14:creationId xmlns:p14="http://schemas.microsoft.com/office/powerpoint/2010/main" val="1355284535"/>
-      </p:ext>
-    </p:extLst>
   </p:cSld>
   <p:clrMapOvr>
     <a:masterClrMapping/>
@@ -2083,7 +2519,7 @@
             <a:lvl2pPr>
               <a:defRPr sz="2400"/>
             </a:lvl2pPr>
-            <a:lvl3pPr marL="1304925" indent="-395288">
+            <a:lvl3pPr marL="1304925" indent="-395605">
               <a:defRPr lang="zh-CN" altLang="en-US" sz="2400" b="1" baseline="0" dirty="0" smtClean="0">
                 <a:solidFill>
                   <a:schemeClr val="tx1"/>
@@ -2126,7 +2562,7 @@
             </a:r>
           </a:p>
           <a:p>
-            <a:pPr marL="1304925" lvl="2" indent="-395288" algn="l" rtl="0" eaLnBrk="0" fontAlgn="base" hangingPunct="0">
+            <a:pPr marL="1304925" lvl="2" indent="-395605" algn="l" rtl="0" eaLnBrk="0" fontAlgn="base" hangingPunct="0">
               <a:lnSpc>
                 <a:spcPct val="150000"/>
               </a:lnSpc>
@@ -2181,7 +2617,7 @@
             <a:lvl2pPr>
               <a:defRPr sz="2400"/>
             </a:lvl2pPr>
-            <a:lvl3pPr marL="1304925" indent="-395288">
+            <a:lvl3pPr marL="1304925" indent="-395605">
               <a:defRPr lang="zh-CN" altLang="en-US" sz="2400" b="1" baseline="0" dirty="0" smtClean="0">
                 <a:solidFill>
                   <a:schemeClr val="tx1"/>
@@ -2224,7 +2660,7 @@
             </a:r>
           </a:p>
           <a:p>
-            <a:pPr marL="1304925" lvl="2" indent="-395288" algn="l" rtl="0" eaLnBrk="0" fontAlgn="base" hangingPunct="0">
+            <a:pPr marL="1304925" lvl="2" indent="-395605" algn="l" rtl="0" eaLnBrk="0" fontAlgn="base" hangingPunct="0">
               <a:lnSpc>
                 <a:spcPct val="150000"/>
               </a:lnSpc>
@@ -2272,7 +2708,6 @@
           <a:prstGeom prst="rect">
             <a:avLst/>
           </a:prstGeom>
-          <a:ln/>
         </p:spPr>
         <p:txBody>
           <a:bodyPr/>
@@ -2307,7 +2742,6 @@
           <a:prstGeom prst="rect">
             <a:avLst/>
           </a:prstGeom>
-          <a:ln/>
         </p:spPr>
         <p:txBody>
           <a:bodyPr/>
@@ -2342,7 +2776,6 @@
           <a:prstGeom prst="rect">
             <a:avLst/>
           </a:prstGeom>
-          <a:ln/>
         </p:spPr>
         <p:txBody>
           <a:bodyPr/>
@@ -2357,9 +2790,6 @@
             </a:pPr>
             <a:fld id="{85100CE9-0662-4089-B8E8-68467DB42791}" type="slidenum">
               <a:rPr lang="en-US" altLang="zh-CN"/>
-              <a:pPr>
-                <a:defRPr/>
-              </a:pPr>
               <a:t>‹#›</a:t>
             </a:fld>
             <a:endParaRPr lang="en-US" altLang="zh-CN" dirty="0"/>
@@ -2367,11 +2797,6 @@
         </p:txBody>
       </p:sp>
     </p:spTree>
-    <p:extLst>
-      <p:ext uri="{BB962C8B-B14F-4D97-AF65-F5344CB8AC3E}">
-        <p14:creationId xmlns:p14="http://schemas.microsoft.com/office/powerpoint/2010/main" val="2246299959"/>
-      </p:ext>
-    </p:extLst>
   </p:cSld>
   <p:clrMapOvr>
     <a:masterClrMapping/>
@@ -2440,7 +2865,6 @@
           <a:prstGeom prst="rect">
             <a:avLst/>
           </a:prstGeom>
-          <a:ln/>
         </p:spPr>
         <p:txBody>
           <a:bodyPr/>
@@ -2475,7 +2899,6 @@
           <a:prstGeom prst="rect">
             <a:avLst/>
           </a:prstGeom>
-          <a:ln/>
         </p:spPr>
         <p:txBody>
           <a:bodyPr/>
@@ -2510,7 +2933,6 @@
           <a:prstGeom prst="rect">
             <a:avLst/>
           </a:prstGeom>
-          <a:ln/>
         </p:spPr>
         <p:txBody>
           <a:bodyPr/>
@@ -2525,9 +2947,6 @@
             </a:pPr>
             <a:fld id="{15209603-DA32-4E08-B993-D56C85C4BB77}" type="slidenum">
               <a:rPr lang="en-US" altLang="zh-CN"/>
-              <a:pPr>
-                <a:defRPr/>
-              </a:pPr>
               <a:t>‹#›</a:t>
             </a:fld>
             <a:endParaRPr lang="en-US" altLang="zh-CN" dirty="0"/>
@@ -2535,11 +2954,6 @@
         </p:txBody>
       </p:sp>
     </p:spTree>
-    <p:extLst>
-      <p:ext uri="{BB962C8B-B14F-4D97-AF65-F5344CB8AC3E}">
-        <p14:creationId xmlns:p14="http://schemas.microsoft.com/office/powerpoint/2010/main" val="2443479709"/>
-      </p:ext>
-    </p:extLst>
   </p:cSld>
   <p:clrMapOvr>
     <a:masterClrMapping/>
@@ -2695,9 +3109,6 @@
             </a:pPr>
             <a:fld id="{D69D5A50-F480-4E46-95E7-D0B4288BA79C}" type="slidenum">
               <a:rPr lang="en-US" altLang="zh-CN"/>
-              <a:pPr>
-                <a:defRPr/>
-              </a:pPr>
               <a:t>‹#›</a:t>
             </a:fld>
             <a:endParaRPr lang="en-US" altLang="zh-CN" dirty="0"/>
@@ -2705,11 +3116,6 @@
         </p:txBody>
       </p:sp>
     </p:spTree>
-    <p:extLst>
-      <p:ext uri="{BB962C8B-B14F-4D97-AF65-F5344CB8AC3E}">
-        <p14:creationId xmlns:p14="http://schemas.microsoft.com/office/powerpoint/2010/main" val="3284914725"/>
-      </p:ext>
-    </p:extLst>
   </p:cSld>
   <p:clrMapOvr>
     <a:masterClrMapping/>
@@ -2788,11 +3194,7 @@
           </a:extLst>
         </p:spPr>
         <p:txBody>
-          <a:bodyPr vert="horz" wrap="square" lIns="91440" tIns="45720" rIns="91440" bIns="45720" numCol="1" anchor="b" anchorCtr="0" compatLnSpc="1">
-            <a:prstTxWarp prst="textNoShape">
-              <a:avLst/>
-            </a:prstTxWarp>
-          </a:bodyPr>
+          <a:bodyPr vert="horz" wrap="square" lIns="91440" tIns="45720" rIns="91440" bIns="45720" numCol="1" anchor="b" anchorCtr="0" compatLnSpc="1"/>
           <a:lstStyle/>
           <a:p>
             <a:pPr lvl="0"/>
@@ -2846,11 +3248,7 @@
           </a:extLst>
         </p:spPr>
         <p:txBody>
-          <a:bodyPr vert="horz" wrap="square" lIns="91440" tIns="45720" rIns="91440" bIns="45720" numCol="1" anchor="t" anchorCtr="0" compatLnSpc="1">
-            <a:prstTxWarp prst="textNoShape">
-              <a:avLst/>
-            </a:prstTxWarp>
-          </a:bodyPr>
+          <a:bodyPr vert="horz" wrap="square" lIns="91440" tIns="45720" rIns="91440" bIns="45720" numCol="1" anchor="t" anchorCtr="0" compatLnSpc="1"/>
           <a:lstStyle/>
           <a:p>
             <a:pPr lvl="0"/>
@@ -2867,7 +3265,7 @@
             </a:r>
           </a:p>
           <a:p>
-            <a:pPr marL="1304925" lvl="2" indent="-395288" algn="l" rtl="0" eaLnBrk="0" fontAlgn="base" hangingPunct="0">
+            <a:pPr marL="1304925" lvl="2" indent="-395605" algn="l" rtl="0" eaLnBrk="0" fontAlgn="base" hangingPunct="0">
               <a:lnSpc>
                 <a:spcPct val="150000"/>
               </a:lnSpc>
@@ -2991,8 +3389,6 @@
               <a:schemeClr val="accent2"/>
             </a:solidFill>
             <a:round/>
-            <a:headEnd/>
-            <a:tailEnd/>
           </a:ln>
         </p:spPr>
         <p:txBody>
@@ -3025,8 +3421,6 @@
               <a:schemeClr val="accent2"/>
             </a:solidFill>
             <a:round/>
-            <a:headEnd/>
-            <a:tailEnd/>
           </a:ln>
           <a:extLst>
             <a:ext uri="{909E8E84-426E-40DD-AFC4-6F175D3DCCD1}">
@@ -3048,13 +3442,13 @@
   </p:cSld>
   <p:clrMap bg1="lt1" tx1="dk1" bg2="lt2" tx2="dk2" accent1="accent1" accent2="accent2" accent3="accent3" accent4="accent4" accent5="accent5" accent6="accent6" hlink="hlink" folHlink="folHlink"/>
   <p:sldLayoutIdLst>
-    <p:sldLayoutId id="2147483892" r:id="rId1"/>
-    <p:sldLayoutId id="2147483881" r:id="rId2"/>
-    <p:sldLayoutId id="2147483922" r:id="rId3"/>
-    <p:sldLayoutId id="2147483882" r:id="rId4"/>
-    <p:sldLayoutId id="2147483883" r:id="rId5"/>
-    <p:sldLayoutId id="2147483885" r:id="rId6"/>
-    <p:sldLayoutId id="2147483923" r:id="rId7"/>
+    <p:sldLayoutId id="2147483649" r:id="rId1"/>
+    <p:sldLayoutId id="2147483650" r:id="rId2"/>
+    <p:sldLayoutId id="2147483651" r:id="rId3"/>
+    <p:sldLayoutId id="2147483652" r:id="rId4"/>
+    <p:sldLayoutId id="2147483653" r:id="rId5"/>
+    <p:sldLayoutId id="2147483654" r:id="rId6"/>
+    <p:sldLayoutId id="2147483655" r:id="rId7"/>
   </p:sldLayoutIdLst>
   <p:transition>
     <p:blinds dir="vert"/>
@@ -3096,8 +3490,8 @@
           <a:solidFill>
             <a:schemeClr val="tx2"/>
           </a:solidFill>
-          <a:latin typeface="Verdana" pitchFamily="34" charset="0"/>
-          <a:ea typeface="宋体" pitchFamily="2" charset="-122"/>
+          <a:latin typeface="Verdana" panose="020B0604030504040204" pitchFamily="34" charset="0"/>
+          <a:ea typeface="宋体" panose="02010600030101010101" pitchFamily="2" charset="-122"/>
         </a:defRPr>
       </a:lvl2pPr>
       <a:lvl3pPr algn="l" rtl="0" eaLnBrk="0" fontAlgn="base" hangingPunct="0">
@@ -3111,8 +3505,8 @@
           <a:solidFill>
             <a:schemeClr val="tx2"/>
           </a:solidFill>
-          <a:latin typeface="Verdana" pitchFamily="34" charset="0"/>
-          <a:ea typeface="宋体" pitchFamily="2" charset="-122"/>
+          <a:latin typeface="Verdana" panose="020B0604030504040204" pitchFamily="34" charset="0"/>
+          <a:ea typeface="宋体" panose="02010600030101010101" pitchFamily="2" charset="-122"/>
         </a:defRPr>
       </a:lvl3pPr>
       <a:lvl4pPr algn="l" rtl="0" eaLnBrk="0" fontAlgn="base" hangingPunct="0">
@@ -3126,8 +3520,8 @@
           <a:solidFill>
             <a:schemeClr val="tx2"/>
           </a:solidFill>
-          <a:latin typeface="Verdana" pitchFamily="34" charset="0"/>
-          <a:ea typeface="宋体" pitchFamily="2" charset="-122"/>
+          <a:latin typeface="Verdana" panose="020B0604030504040204" pitchFamily="34" charset="0"/>
+          <a:ea typeface="宋体" panose="02010600030101010101" pitchFamily="2" charset="-122"/>
         </a:defRPr>
       </a:lvl4pPr>
       <a:lvl5pPr algn="l" rtl="0" eaLnBrk="0" fontAlgn="base" hangingPunct="0">
@@ -3141,8 +3535,8 @@
           <a:solidFill>
             <a:schemeClr val="tx2"/>
           </a:solidFill>
-          <a:latin typeface="Verdana" pitchFamily="34" charset="0"/>
-          <a:ea typeface="宋体" pitchFamily="2" charset="-122"/>
+          <a:latin typeface="Verdana" panose="020B0604030504040204" pitchFamily="34" charset="0"/>
+          <a:ea typeface="宋体" panose="02010600030101010101" pitchFamily="2" charset="-122"/>
         </a:defRPr>
       </a:lvl5pPr>
       <a:lvl6pPr marL="457200" algn="l" rtl="0" fontAlgn="base">
@@ -3156,8 +3550,8 @@
           <a:solidFill>
             <a:schemeClr val="tx2"/>
           </a:solidFill>
-          <a:latin typeface="Verdana" pitchFamily="34" charset="0"/>
-          <a:ea typeface="宋体" pitchFamily="2" charset="-122"/>
+          <a:latin typeface="Verdana" panose="020B0604030504040204" pitchFamily="34" charset="0"/>
+          <a:ea typeface="宋体" panose="02010600030101010101" pitchFamily="2" charset="-122"/>
         </a:defRPr>
       </a:lvl6pPr>
       <a:lvl7pPr marL="914400" algn="l" rtl="0" fontAlgn="base">
@@ -3171,8 +3565,8 @@
           <a:solidFill>
             <a:schemeClr val="tx2"/>
           </a:solidFill>
-          <a:latin typeface="Verdana" pitchFamily="34" charset="0"/>
-          <a:ea typeface="宋体" pitchFamily="2" charset="-122"/>
+          <a:latin typeface="Verdana" panose="020B0604030504040204" pitchFamily="34" charset="0"/>
+          <a:ea typeface="宋体" panose="02010600030101010101" pitchFamily="2" charset="-122"/>
         </a:defRPr>
       </a:lvl7pPr>
       <a:lvl8pPr marL="1371600" algn="l" rtl="0" fontAlgn="base">
@@ -3186,8 +3580,8 @@
           <a:solidFill>
             <a:schemeClr val="tx2"/>
           </a:solidFill>
-          <a:latin typeface="Verdana" pitchFamily="34" charset="0"/>
-          <a:ea typeface="宋体" pitchFamily="2" charset="-122"/>
+          <a:latin typeface="Verdana" panose="020B0604030504040204" pitchFamily="34" charset="0"/>
+          <a:ea typeface="宋体" panose="02010600030101010101" pitchFamily="2" charset="-122"/>
         </a:defRPr>
       </a:lvl8pPr>
       <a:lvl9pPr marL="1828800" algn="l" rtl="0" fontAlgn="base">
@@ -3201,8 +3595,8 @@
           <a:solidFill>
             <a:schemeClr val="tx2"/>
           </a:solidFill>
-          <a:latin typeface="Verdana" pitchFamily="34" charset="0"/>
-          <a:ea typeface="宋体" pitchFamily="2" charset="-122"/>
+          <a:latin typeface="Verdana" panose="020B0604030504040204" pitchFamily="34" charset="0"/>
+          <a:ea typeface="宋体" panose="02010600030101010101" pitchFamily="2" charset="-122"/>
         </a:defRPr>
       </a:lvl9pPr>
     </p:titleStyle>
@@ -3220,7 +3614,7 @@
         <a:buClr>
           <a:schemeClr val="accent2"/>
         </a:buClr>
-        <a:buFont typeface="Wingdings" pitchFamily="2" charset="2"/>
+        <a:buFont typeface="Wingdings" panose="05000000000000000000" pitchFamily="2" charset="2"/>
         <a:buChar char="Ø"/>
         <a:defRPr sz="2800" b="1" baseline="0">
           <a:solidFill>
@@ -3231,7 +3625,7 @@
           <a:cs typeface="+mn-cs"/>
         </a:defRPr>
       </a:lvl1pPr>
-      <a:lvl2pPr marL="908050" indent="-436563" algn="l" rtl="0" eaLnBrk="0" fontAlgn="base" hangingPunct="0">
+      <a:lvl2pPr marL="908050" indent="-436880" algn="l" rtl="0" eaLnBrk="0" fontAlgn="base" hangingPunct="0">
         <a:lnSpc>
           <a:spcPct val="150000"/>
         </a:lnSpc>
@@ -3244,7 +3638,7 @@
         <a:buClr>
           <a:schemeClr val="accent2"/>
         </a:buClr>
-        <a:buFont typeface="Wingdings" pitchFamily="2" charset="2"/>
+        <a:buFont typeface="Wingdings" panose="05000000000000000000" pitchFamily="2" charset="2"/>
         <a:buChar char="l"/>
         <a:defRPr sz="2600" b="1" baseline="0">
           <a:solidFill>
@@ -3254,7 +3648,7 @@
           <a:ea typeface="华文楷体" panose="02010600040101010101" pitchFamily="2" charset="-122"/>
         </a:defRPr>
       </a:lvl2pPr>
-      <a:lvl3pPr marL="1304925" indent="-395288" algn="l" rtl="0" eaLnBrk="0" fontAlgn="base" hangingPunct="0">
+      <a:lvl3pPr marL="1304925" indent="-395605" algn="l" rtl="0" eaLnBrk="0" fontAlgn="base" hangingPunct="0">
         <a:lnSpc>
           <a:spcPct val="150000"/>
         </a:lnSpc>
@@ -3267,7 +3661,7 @@
         <a:buClr>
           <a:schemeClr val="accent2"/>
         </a:buClr>
-        <a:buFont typeface="Wingdings" pitchFamily="2" charset="2"/>
+        <a:buFont typeface="Wingdings" panose="05000000000000000000" pitchFamily="2" charset="2"/>
         <a:buChar char="o"/>
         <a:defRPr lang="zh-CN" altLang="en-US" sz="2400" b="1" baseline="0" dirty="0" smtClean="0">
           <a:solidFill>
@@ -3277,7 +3671,7 @@
           <a:ea typeface="楷体" panose="02010609060101010101" pitchFamily="49" charset="-122"/>
         </a:defRPr>
       </a:lvl3pPr>
-      <a:lvl4pPr marL="1693863" indent="-387350" algn="l" rtl="0" eaLnBrk="0" fontAlgn="base" hangingPunct="0">
+      <a:lvl4pPr marL="1694180" indent="-387350" algn="l" rtl="0" eaLnBrk="0" fontAlgn="base" hangingPunct="0">
         <a:lnSpc>
           <a:spcPct val="150000"/>
         </a:lnSpc>
@@ -3300,7 +3694,7 @@
           <a:ea typeface="华文楷体" panose="02010600040101010101" pitchFamily="2" charset="-122"/>
         </a:defRPr>
       </a:lvl4pPr>
-      <a:lvl5pPr marL="2093913" indent="-398463" algn="l" rtl="0" eaLnBrk="0" fontAlgn="base" hangingPunct="0">
+      <a:lvl5pPr marL="2094230" indent="-398780" algn="l" rtl="0" eaLnBrk="0" fontAlgn="base" hangingPunct="0">
         <a:lnSpc>
           <a:spcPct val="150000"/>
         </a:lnSpc>
@@ -3313,7 +3707,7 @@
         <a:buClr>
           <a:schemeClr val="accent2"/>
         </a:buClr>
-        <a:buFont typeface="Wingdings" pitchFamily="2" charset="2"/>
+        <a:buFont typeface="Wingdings" panose="05000000000000000000" pitchFamily="2" charset="2"/>
         <a:buChar char="§"/>
         <a:defRPr sz="2000" b="1" baseline="0">
           <a:solidFill>
@@ -3323,7 +3717,7 @@
           <a:ea typeface="华文楷体" panose="02010600040101010101" pitchFamily="2" charset="-122"/>
         </a:defRPr>
       </a:lvl5pPr>
-      <a:lvl6pPr marL="2551113" indent="-398463" algn="l" rtl="0" fontAlgn="base">
+      <a:lvl6pPr marL="2551430" indent="-398780" algn="l" rtl="0" fontAlgn="base">
         <a:spcBef>
           <a:spcPct val="25000"/>
         </a:spcBef>
@@ -3333,7 +3727,7 @@
         <a:buClr>
           <a:schemeClr val="accent2"/>
         </a:buClr>
-        <a:buFont typeface="Wingdings" pitchFamily="2" charset="2"/>
+        <a:buFont typeface="Wingdings" panose="05000000000000000000" pitchFamily="2" charset="2"/>
         <a:buChar char="§"/>
         <a:defRPr sz="2000">
           <a:solidFill>
@@ -3343,7 +3737,7 @@
           <a:ea typeface="+mn-ea"/>
         </a:defRPr>
       </a:lvl6pPr>
-      <a:lvl7pPr marL="3008313" indent="-398463" algn="l" rtl="0" fontAlgn="base">
+      <a:lvl7pPr marL="3008630" indent="-398780" algn="l" rtl="0" fontAlgn="base">
         <a:spcBef>
           <a:spcPct val="25000"/>
         </a:spcBef>
@@ -3353,7 +3747,7 @@
         <a:buClr>
           <a:schemeClr val="accent2"/>
         </a:buClr>
-        <a:buFont typeface="Wingdings" pitchFamily="2" charset="2"/>
+        <a:buFont typeface="Wingdings" panose="05000000000000000000" pitchFamily="2" charset="2"/>
         <a:buChar char="§"/>
         <a:defRPr sz="2000">
           <a:solidFill>
@@ -3363,7 +3757,7 @@
           <a:ea typeface="+mn-ea"/>
         </a:defRPr>
       </a:lvl7pPr>
-      <a:lvl8pPr marL="3465513" indent="-398463" algn="l" rtl="0" fontAlgn="base">
+      <a:lvl8pPr marL="3465830" indent="-398780" algn="l" rtl="0" fontAlgn="base">
         <a:spcBef>
           <a:spcPct val="25000"/>
         </a:spcBef>
@@ -3373,7 +3767,7 @@
         <a:buClr>
           <a:schemeClr val="accent2"/>
         </a:buClr>
-        <a:buFont typeface="Wingdings" pitchFamily="2" charset="2"/>
+        <a:buFont typeface="Wingdings" panose="05000000000000000000" pitchFamily="2" charset="2"/>
         <a:buChar char="§"/>
         <a:defRPr sz="2000">
           <a:solidFill>
@@ -3383,7 +3777,7 @@
           <a:ea typeface="+mn-ea"/>
         </a:defRPr>
       </a:lvl8pPr>
-      <a:lvl9pPr marL="3922713" indent="-398463" algn="l" rtl="0" fontAlgn="base">
+      <a:lvl9pPr marL="3923030" indent="-398780" algn="l" rtl="0" fontAlgn="base">
         <a:spcBef>
           <a:spcPct val="25000"/>
         </a:spcBef>
@@ -3393,7 +3787,7 @@
         <a:buClr>
           <a:schemeClr val="accent2"/>
         </a:buClr>
-        <a:buFont typeface="Wingdings" pitchFamily="2" charset="2"/>
+        <a:buFont typeface="Wingdings" panose="05000000000000000000" pitchFamily="2" charset="2"/>
         <a:buChar char="§"/>
         <a:defRPr sz="2000">
           <a:solidFill>
@@ -3543,30 +3937,30 @@
             <a:pPr algn="ctr" eaLnBrk="1" hangingPunct="1"/>
             <a:r>
               <a:rPr lang="zh-CN" altLang="en-US" sz="6000" b="1" dirty="0">
-                <a:ea typeface="华文隶书" pitchFamily="2" charset="-122"/>
+                <a:ea typeface="华文隶书" panose="02010800040101010101" pitchFamily="2" charset="-122"/>
               </a:rPr>
               <a:t>软件测试实用教程</a:t>
             </a:r>
             <a:r>
               <a:rPr lang="en-US" altLang="zh-CN" sz="6000" b="1" dirty="0">
-                <a:ea typeface="华文隶书" pitchFamily="2" charset="-122"/>
+                <a:ea typeface="华文隶书" panose="02010800040101010101" pitchFamily="2" charset="-122"/>
               </a:rPr>
               <a:t/>
             </a:r>
             <a:br>
               <a:rPr lang="en-US" altLang="zh-CN" sz="6000" b="1" dirty="0">
-                <a:ea typeface="华文隶书" pitchFamily="2" charset="-122"/>
+                <a:ea typeface="华文隶书" panose="02010800040101010101" pitchFamily="2" charset="-122"/>
               </a:rPr>
             </a:br>
             <a:r>
               <a:rPr lang="en-US" altLang="zh-CN" sz="6000" b="1" dirty="0">
-                <a:ea typeface="华文隶书" pitchFamily="2" charset="-122"/>
+                <a:ea typeface="华文隶书" panose="02010800040101010101" pitchFamily="2" charset="-122"/>
               </a:rPr>
               <a:t>——</a:t>
             </a:r>
             <a:r>
               <a:rPr lang="zh-CN" altLang="en-US" sz="6000" b="1" dirty="0">
-                <a:ea typeface="华文隶书" pitchFamily="2" charset="-122"/>
+                <a:ea typeface="华文隶书" panose="02010800040101010101" pitchFamily="2" charset="-122"/>
               </a:rPr>
               <a:t>方法与实践</a:t>
             </a:r>
@@ -3596,70 +3990,70 @@
             <a:pPr algn="ctr" eaLnBrk="1" hangingPunct="1"/>
             <a:r>
               <a:rPr lang="en-US" altLang="zh-CN" sz="4400" dirty="0" err="1" smtClean="0">
-                <a:latin typeface="华文隶书" pitchFamily="2" charset="-122"/>
-                <a:ea typeface="华文隶书" pitchFamily="2" charset="-122"/>
+                <a:latin typeface="华文隶书" panose="02010800040101010101" pitchFamily="2" charset="-122"/>
+                <a:ea typeface="华文隶书" panose="02010800040101010101" pitchFamily="2" charset="-122"/>
               </a:rPr>
               <a:t>PartII</a:t>
             </a:r>
             <a:r>
               <a:rPr lang="en-US" altLang="zh-CN" sz="4400" dirty="0" smtClean="0">
-                <a:latin typeface="华文隶书" pitchFamily="2" charset="-122"/>
-                <a:ea typeface="华文隶书" pitchFamily="2" charset="-122"/>
+                <a:latin typeface="华文隶书" panose="02010800040101010101" pitchFamily="2" charset="-122"/>
+                <a:ea typeface="华文隶书" panose="02010800040101010101" pitchFamily="2" charset="-122"/>
               </a:rPr>
               <a:t>    </a:t>
             </a:r>
             <a:r>
               <a:rPr lang="zh-CN" altLang="en-US" sz="4400" dirty="0">
-                <a:latin typeface="华文隶书" pitchFamily="2" charset="-122"/>
-                <a:ea typeface="华文隶书" pitchFamily="2" charset="-122"/>
+                <a:latin typeface="华文隶书" panose="02010800040101010101" pitchFamily="2" charset="-122"/>
+                <a:ea typeface="华文隶书" panose="02010800040101010101" pitchFamily="2" charset="-122"/>
               </a:rPr>
               <a:t>软件测试</a:t>
             </a:r>
             <a:r>
               <a:rPr lang="zh-CN" altLang="en-US" sz="4400" dirty="0" smtClean="0">
-                <a:latin typeface="华文隶书" pitchFamily="2" charset="-122"/>
-                <a:ea typeface="华文隶书" pitchFamily="2" charset="-122"/>
+                <a:latin typeface="华文隶书" panose="02010800040101010101" pitchFamily="2" charset="-122"/>
+                <a:ea typeface="华文隶书" panose="02010800040101010101" pitchFamily="2" charset="-122"/>
               </a:rPr>
               <a:t>技术</a:t>
             </a:r>
             <a:endParaRPr lang="en-US" altLang="zh-CN" sz="4400" dirty="0" smtClean="0">
-              <a:latin typeface="华文隶书" pitchFamily="2" charset="-122"/>
-              <a:ea typeface="华文隶书" pitchFamily="2" charset="-122"/>
+              <a:latin typeface="华文隶书" panose="02010800040101010101" pitchFamily="2" charset="-122"/>
+              <a:ea typeface="华文隶书" panose="02010800040101010101" pitchFamily="2" charset="-122"/>
             </a:endParaRPr>
           </a:p>
           <a:p>
             <a:pPr algn="ctr" eaLnBrk="1" hangingPunct="1"/>
             <a:r>
               <a:rPr lang="zh-CN" altLang="en-US" sz="4400" dirty="0" smtClean="0">
-                <a:latin typeface="华文隶书" pitchFamily="2" charset="-122"/>
-                <a:ea typeface="华文隶书" pitchFamily="2" charset="-122"/>
+                <a:latin typeface="华文隶书" panose="02010800040101010101" pitchFamily="2" charset="-122"/>
+                <a:ea typeface="华文隶书" panose="02010800040101010101" pitchFamily="2" charset="-122"/>
               </a:rPr>
               <a:t>黑盒测试技术</a:t>
             </a:r>
             <a:r>
               <a:rPr lang="en-US" altLang="zh-CN" sz="4400" dirty="0" smtClean="0">
-                <a:latin typeface="华文隶书" pitchFamily="2" charset="-122"/>
-                <a:ea typeface="华文隶书" pitchFamily="2" charset="-122"/>
+                <a:latin typeface="华文隶书" panose="02010800040101010101" pitchFamily="2" charset="-122"/>
+                <a:ea typeface="华文隶书" panose="02010800040101010101" pitchFamily="2" charset="-122"/>
               </a:rPr>
               <a:t>——</a:t>
             </a:r>
             <a:r>
               <a:rPr lang="zh-CN" altLang="en-US" sz="4400" dirty="0" smtClean="0">
-                <a:latin typeface="华文隶书" pitchFamily="2" charset="-122"/>
-                <a:ea typeface="华文隶书" pitchFamily="2" charset="-122"/>
+                <a:latin typeface="华文隶书" panose="02010800040101010101" pitchFamily="2" charset="-122"/>
+                <a:ea typeface="华文隶书" panose="02010800040101010101" pitchFamily="2" charset="-122"/>
               </a:rPr>
               <a:t>使用正交表法设计测试用例</a:t>
             </a:r>
             <a:endParaRPr lang="zh-CN" altLang="en-US" sz="4400" dirty="0">
-              <a:latin typeface="华文隶书" pitchFamily="2" charset="-122"/>
-              <a:ea typeface="华文隶书" pitchFamily="2" charset="-122"/>
+              <a:latin typeface="华文隶书" panose="02010800040101010101" pitchFamily="2" charset="-122"/>
+              <a:ea typeface="华文隶书" panose="02010800040101010101" pitchFamily="2" charset="-122"/>
             </a:endParaRPr>
           </a:p>
           <a:p>
             <a:pPr algn="ctr" eaLnBrk="1" hangingPunct="1"/>
             <a:endParaRPr lang="zh-CN" altLang="en-US" sz="4400" b="1" dirty="0">
-              <a:latin typeface="华文隶书" pitchFamily="2" charset="-122"/>
-              <a:ea typeface="华文隶书" pitchFamily="2" charset="-122"/>
+              <a:latin typeface="华文隶书" panose="02010800040101010101" pitchFamily="2" charset="-122"/>
+              <a:ea typeface="华文隶书" panose="02010800040101010101" pitchFamily="2" charset="-122"/>
             </a:endParaRPr>
           </a:p>
         </p:txBody>
@@ -3689,11 +4083,6 @@
         </p:spPr>
       </p:pic>
     </p:spTree>
-    <p:extLst>
-      <p:ext uri="{BB962C8B-B14F-4D97-AF65-F5344CB8AC3E}">
-        <p14:creationId xmlns:p14="http://schemas.microsoft.com/office/powerpoint/2010/main" val="2904732422"/>
-      </p:ext>
-    </p:extLst>
   </p:cSld>
   <p:clrMapOvr>
     <a:masterClrMapping/>
@@ -3822,7 +4211,9 @@
             </a:clrChange>
           </a:blip>
           <a:srcRect l="3048" t="2905" r="1565" b="2350"/>
-          <a:stretch/>
+          <a:stretch>
+            <a:fillRect/>
+          </a:stretch>
         </p:blipFill>
         <p:spPr>
           <a:xfrm>
@@ -3835,11 +4226,6 @@
         </p:spPr>
       </p:pic>
     </p:spTree>
-    <p:extLst>
-      <p:ext uri="{BB962C8B-B14F-4D97-AF65-F5344CB8AC3E}">
-        <p14:creationId xmlns:p14="http://schemas.microsoft.com/office/powerpoint/2010/main" val="3365115179"/>
-      </p:ext>
-    </p:extLst>
   </p:cSld>
   <p:clrMapOvr>
     <a:masterClrMapping/>
@@ -4215,7 +4601,9 @@
             </a:clrChange>
           </a:blip>
           <a:srcRect b="17334"/>
-          <a:stretch/>
+          <a:stretch>
+            <a:fillRect/>
+          </a:stretch>
         </p:blipFill>
         <p:spPr>
           <a:xfrm>
@@ -4228,11 +4616,6 @@
         </p:spPr>
       </p:pic>
     </p:spTree>
-    <p:extLst>
-      <p:ext uri="{BB962C8B-B14F-4D97-AF65-F5344CB8AC3E}">
-        <p14:creationId xmlns:p14="http://schemas.microsoft.com/office/powerpoint/2010/main" val="4028162217"/>
-      </p:ext>
-    </p:extLst>
   </p:cSld>
   <p:clrMapOvr>
     <a:masterClrMapping/>
@@ -4948,7 +5331,9 @@
         <p:blipFill rotWithShape="1">
           <a:blip r:embed="rId3"/>
           <a:srcRect l="3890" t="2620" r="1879" b="3114"/>
-          <a:stretch/>
+          <a:stretch>
+            <a:fillRect/>
+          </a:stretch>
         </p:blipFill>
         <p:spPr>
           <a:xfrm>
@@ -4963,9 +5348,7 @@
       <p:sp>
         <p:nvSpPr>
           <p:cNvPr id="8" name="内容占位符 2"/>
-          <p:cNvSpPr txBox="1">
-            <a:spLocks/>
-          </p:cNvSpPr>
+          <p:cNvSpPr txBox="1"/>
           <p:nvPr/>
         </p:nvSpPr>
         <p:spPr>
@@ -5219,11 +5602,6 @@
         </p:txBody>
       </p:sp>
     </p:spTree>
-    <p:extLst>
-      <p:ext uri="{BB962C8B-B14F-4D97-AF65-F5344CB8AC3E}">
-        <p14:creationId xmlns:p14="http://schemas.microsoft.com/office/powerpoint/2010/main" val="1003541302"/>
-      </p:ext>
-    </p:extLst>
   </p:cSld>
   <p:clrMapOvr>
     <a:masterClrMapping/>
@@ -6078,7 +6456,7 @@
           <p:nvPr/>
         </p:nvPicPr>
         <p:blipFill>
-          <a:blip r:embed="rId2"/>
+          <a:blip r:embed="rId3"/>
           <a:stretch>
             <a:fillRect/>
           </a:stretch>
@@ -6206,11 +6584,6 @@
         </p:txBody>
       </p:sp>
     </p:spTree>
-    <p:extLst>
-      <p:ext uri="{BB962C8B-B14F-4D97-AF65-F5344CB8AC3E}">
-        <p14:creationId xmlns:p14="http://schemas.microsoft.com/office/powerpoint/2010/main" val="1409045810"/>
-      </p:ext>
-    </p:extLst>
   </p:cSld>
   <p:clrMapOvr>
     <a:masterClrMapping/>
@@ -6999,11 +7372,6 @@
         </p:txBody>
       </p:sp>
     </p:spTree>
-    <p:extLst>
-      <p:ext uri="{BB962C8B-B14F-4D97-AF65-F5344CB8AC3E}">
-        <p14:creationId xmlns:p14="http://schemas.microsoft.com/office/powerpoint/2010/main" val="3393022209"/>
-      </p:ext>
-    </p:extLst>
   </p:cSld>
   <p:clrMapOvr>
     <a:masterClrMapping/>
@@ -7428,11 +7796,6 @@
         </p:txBody>
       </p:sp>
     </p:spTree>
-    <p:extLst>
-      <p:ext uri="{BB962C8B-B14F-4D97-AF65-F5344CB8AC3E}">
-        <p14:creationId xmlns:p14="http://schemas.microsoft.com/office/powerpoint/2010/main" val="1728598884"/>
-      </p:ext>
-    </p:extLst>
   </p:cSld>
   <p:clrMapOvr>
     <a:masterClrMapping/>
@@ -8039,7 +8402,7 @@
         </p:nvSpPr>
         <p:spPr>
           <a:xfrm>
-            <a:off x="695400" y="1196752"/>
+            <a:off x="623645" y="1196752"/>
             <a:ext cx="10873208" cy="4267200"/>
           </a:xfrm>
         </p:spPr>
@@ -8064,13 +8427,38 @@
           <a:p>
             <a:r>
               <a:rPr lang="zh-CN" altLang="en-US" dirty="0"/>
-              <a:t>正交表查询</a:t>
+              <a:t>正交表查</a:t>
             </a:r>
             <a:r>
               <a:rPr lang="en-US" altLang="zh-CN" dirty="0"/>
               <a:t>https://www.york.ac.uk/depts/maths/tables/orthogonal.htm</a:t>
             </a:r>
-            <a:endParaRPr lang="zh-CN" altLang="en-US" dirty="0"/>
+          </a:p>
+          <a:p>
+            <a:r>
+              <a:rPr lang="zh-CN" altLang="en-US" dirty="0"/>
+              <a:t>正交表的性质</a:t>
+            </a:r>
+          </a:p>
+          <a:p>
+            <a:pPr lvl="1">
+              <a:buFont typeface="Wingdings" panose="05000000000000000000" charset="0"/>
+              <a:buChar char="l"/>
+            </a:pPr>
+            <a:r>
+              <a:rPr lang="zh-CN" altLang="en-US" dirty="0"/>
+              <a:t>每一列中每个输入条件的各个测试数据出现的次数相同</a:t>
+            </a:r>
+          </a:p>
+          <a:p>
+            <a:pPr lvl="1">
+              <a:buFont typeface="Wingdings" panose="05000000000000000000" charset="0"/>
+              <a:buChar char="l"/>
+            </a:pPr>
+            <a:r>
+              <a:rPr lang="zh-CN" altLang="en-US" dirty="0"/>
+              <a:t> 任意两列所构成的各有序数对出现的次数形同</a:t>
+            </a:r>
           </a:p>
           <a:p>
             <a:endParaRPr lang="zh-CN" altLang="en-US" dirty="0"/>
@@ -8078,11 +8466,6 @@
         </p:txBody>
       </p:sp>
     </p:spTree>
-    <p:extLst>
-      <p:ext uri="{BB962C8B-B14F-4D97-AF65-F5344CB8AC3E}">
-        <p14:creationId xmlns:p14="http://schemas.microsoft.com/office/powerpoint/2010/main" val="932032457"/>
-      </p:ext>
-    </p:extLst>
   </p:cSld>
   <p:clrMapOvr>
     <a:masterClrMapping/>
@@ -8162,9 +8545,9 @@
           <a:bodyPr/>
           <a:lstStyle/>
           <a:p>
-            <a:pPr marL="928370" lvl="1" indent="-457200" eaLnBrk="1" hangingPunct="1">
+            <a:pPr lvl="1" eaLnBrk="1" hangingPunct="1">
               <a:buFont typeface="Wingdings" panose="05000000000000000000" pitchFamily="2" charset="2"/>
-              <a:buChar char="p"/>
+              <a:buChar char="Ø"/>
               <a:defRPr/>
             </a:pPr>
             <a:r>
@@ -8188,9 +8571,9 @@
             </a:endParaRPr>
           </a:p>
           <a:p>
-            <a:pPr marL="928370" lvl="1" indent="-457200" eaLnBrk="1" hangingPunct="1">
+            <a:pPr lvl="1" eaLnBrk="1" hangingPunct="1">
               <a:buFont typeface="Wingdings" panose="05000000000000000000" pitchFamily="2" charset="2"/>
-              <a:buChar char="p"/>
+              <a:buChar char="Ø"/>
               <a:defRPr/>
             </a:pPr>
             <a:r>
@@ -8212,11 +8595,6 @@
         </p:txBody>
       </p:sp>
     </p:spTree>
-    <p:extLst>
-      <p:ext uri="{BB962C8B-B14F-4D97-AF65-F5344CB8AC3E}">
-        <p14:creationId xmlns:p14="http://schemas.microsoft.com/office/powerpoint/2010/main" val="3484846263"/>
-      </p:ext>
-    </p:extLst>
   </p:cSld>
   <p:clrMapOvr>
     <a:masterClrMapping/>
@@ -8294,7 +8672,7 @@
             <a:endParaRPr lang="en-US" altLang="zh-CN" dirty="0" smtClean="0"/>
           </a:p>
           <a:p>
-            <a:pPr marL="985837" lvl="1" indent="-514350">
+            <a:pPr marL="985520" lvl="1" indent="-514350">
               <a:buFont typeface="+mj-lt"/>
               <a:buAutoNum type="arabicPeriod"/>
             </a:pPr>
@@ -8305,7 +8683,7 @@
             <a:endParaRPr lang="en-US" altLang="zh-CN" dirty="0" smtClean="0"/>
           </a:p>
           <a:p>
-            <a:pPr marL="985837" lvl="1" indent="-514350">
+            <a:pPr marL="985520" lvl="1" indent="-514350">
               <a:buFont typeface="+mj-lt"/>
               <a:buAutoNum type="arabicPeriod"/>
             </a:pPr>
@@ -8316,7 +8694,7 @@
             <a:endParaRPr lang="en-US" altLang="zh-CN" dirty="0" smtClean="0"/>
           </a:p>
           <a:p>
-            <a:pPr marL="985837" lvl="1" indent="-514350">
+            <a:pPr marL="985520" lvl="1" indent="-514350">
               <a:buFont typeface="+mj-lt"/>
               <a:buAutoNum type="arabicPeriod"/>
             </a:pPr>
@@ -8327,7 +8705,7 @@
             <a:endParaRPr lang="en-US" altLang="zh-CN" dirty="0" smtClean="0"/>
           </a:p>
           <a:p>
-            <a:pPr marL="985837" lvl="1" indent="-514350">
+            <a:pPr marL="985520" lvl="1" indent="-514350">
               <a:buFont typeface="+mj-lt"/>
               <a:buAutoNum type="arabicPeriod"/>
             </a:pPr>
@@ -8338,23 +8716,19 @@
             <a:endParaRPr lang="en-US" altLang="zh-CN" dirty="0" smtClean="0"/>
           </a:p>
           <a:p>
-            <a:pPr marL="985837" lvl="1" indent="-514350">
+            <a:pPr marL="985520" lvl="1" indent="-514350">
               <a:buFont typeface="+mj-lt"/>
               <a:buAutoNum type="arabicPeriod"/>
             </a:pPr>
             <a:r>
               <a:rPr lang="zh-CN" altLang="en-US" dirty="0" smtClean="0"/>
-              <a:t>测试结果分析</a:t>
-            </a:r>
+              <a:t>测试用例设计</a:t>
+            </a:r>
+            <a:endParaRPr lang="en-US" altLang="zh-CN" dirty="0" smtClean="0"/>
           </a:p>
         </p:txBody>
       </p:sp>
     </p:spTree>
-    <p:extLst>
-      <p:ext uri="{BB962C8B-B14F-4D97-AF65-F5344CB8AC3E}">
-        <p14:creationId xmlns:p14="http://schemas.microsoft.com/office/powerpoint/2010/main" val="483714935"/>
-      </p:ext>
-    </p:extLst>
   </p:cSld>
   <p:clrMapOvr>
     <a:masterClrMapping/>
@@ -9102,11 +9476,6 @@
         </p:txBody>
       </p:sp>
     </p:spTree>
-    <p:extLst>
-      <p:ext uri="{BB962C8B-B14F-4D97-AF65-F5344CB8AC3E}">
-        <p14:creationId xmlns:p14="http://schemas.microsoft.com/office/powerpoint/2010/main" val="1157438096"/>
-      </p:ext>
-    </p:extLst>
   </p:cSld>
   <p:clrMapOvr>
     <a:masterClrMapping/>
@@ -9231,11 +9600,6 @@
         </p:txBody>
       </p:sp>
     </p:spTree>
-    <p:extLst>
-      <p:ext uri="{BB962C8B-B14F-4D97-AF65-F5344CB8AC3E}">
-        <p14:creationId xmlns:p14="http://schemas.microsoft.com/office/powerpoint/2010/main" val="328182802"/>
-      </p:ext>
-    </p:extLst>
   </p:cSld>
   <p:clrMapOvr>
     <a:masterClrMapping/>
@@ -10293,11 +10657,6 @@
         </p:txBody>
       </p:sp>
     </p:spTree>
-    <p:extLst>
-      <p:ext uri="{BB962C8B-B14F-4D97-AF65-F5344CB8AC3E}">
-        <p14:creationId xmlns:p14="http://schemas.microsoft.com/office/powerpoint/2010/main" val="3739033885"/>
-      </p:ext>
-    </p:extLst>
   </p:cSld>
   <p:clrMapOvr>
     <a:masterClrMapping/>
@@ -11297,12 +11656,11 @@
           </p:cNvGraphicFramePr>
           <p:nvPr>
             <p:ph idx="1"/>
-            <p:extLst/>
           </p:nvPr>
         </p:nvGraphicFramePr>
         <p:xfrm>
           <a:off x="623392" y="188640"/>
-          <a:ext cx="10657184" cy="6264694"/>
+          <a:ext cx="10657184" cy="6262549"/>
         </p:xfrm>
         <a:graphic>
           <a:graphicData uri="http://schemas.openxmlformats.org/drawingml/2006/table">
@@ -11466,13 +11824,7 @@
                     <a:bodyPr/>
                     <a:lstStyle/>
                     <a:p>
-                      <a:pPr algn="ctr" fontAlgn="b"/>
-                      <a:endParaRPr lang="en-US" altLang="zh-CN" sz="2800" b="0" i="0" u="none" strike="noStrike" dirty="0">
-                        <a:effectLst/>
-                        <a:latin typeface="Times New Roman" panose="02020603050405020304" pitchFamily="18" charset="0"/>
-                        <a:ea typeface="宋体" panose="02010600030101010101" pitchFamily="2" charset="-122"/>
-                        <a:cs typeface="Times New Roman" panose="02020603050405020304" pitchFamily="18" charset="0"/>
-                      </a:endParaRPr>
+                      <a:endParaRPr lang="zh-CN"/>
                     </a:p>
                   </a:txBody>
                   <a:tcPr marL="9525" marR="9525" marT="9525" marB="0" anchor="b"/>
@@ -11482,13 +11834,7 @@
                     <a:bodyPr/>
                     <a:lstStyle/>
                     <a:p>
-                      <a:pPr algn="ctr" fontAlgn="b"/>
-                      <a:endParaRPr lang="en-US" altLang="zh-CN" sz="2800" b="0" i="0" u="none" strike="noStrike" dirty="0">
-                        <a:effectLst/>
-                        <a:latin typeface="Times New Roman" panose="02020603050405020304" pitchFamily="18" charset="0"/>
-                        <a:ea typeface="宋体" panose="02010600030101010101" pitchFamily="2" charset="-122"/>
-                        <a:cs typeface="Times New Roman" panose="02020603050405020304" pitchFamily="18" charset="0"/>
-                      </a:endParaRPr>
+                      <a:endParaRPr lang="zh-CN"/>
                     </a:p>
                   </a:txBody>
                   <a:tcPr marL="9525" marR="9525" marT="9525" marB="0" anchor="b"/>
@@ -11498,13 +11844,7 @@
                     <a:bodyPr/>
                     <a:lstStyle/>
                     <a:p>
-                      <a:pPr algn="ctr" fontAlgn="b"/>
-                      <a:endParaRPr lang="en-US" altLang="zh-CN" sz="2800" b="0" i="0" u="none" strike="noStrike" dirty="0">
-                        <a:effectLst/>
-                        <a:latin typeface="Times New Roman" panose="02020603050405020304" pitchFamily="18" charset="0"/>
-                        <a:ea typeface="宋体" panose="02010600030101010101" pitchFamily="2" charset="-122"/>
-                        <a:cs typeface="Times New Roman" panose="02020603050405020304" pitchFamily="18" charset="0"/>
-                      </a:endParaRPr>
+                      <a:endParaRPr lang="zh-CN"/>
                     </a:p>
                   </a:txBody>
                   <a:tcPr marL="9525" marR="9525" marT="9525" marB="0" anchor="b"/>
@@ -11514,13 +11854,7 @@
                     <a:bodyPr/>
                     <a:lstStyle/>
                     <a:p>
-                      <a:pPr algn="ctr" fontAlgn="b"/>
-                      <a:endParaRPr lang="en-US" altLang="zh-CN" sz="2800" b="0" i="0" u="none" strike="noStrike" dirty="0">
-                        <a:effectLst/>
-                        <a:latin typeface="Times New Roman" panose="02020603050405020304" pitchFamily="18" charset="0"/>
-                        <a:ea typeface="宋体" panose="02010600030101010101" pitchFamily="2" charset="-122"/>
-                        <a:cs typeface="Times New Roman" panose="02020603050405020304" pitchFamily="18" charset="0"/>
-                      </a:endParaRPr>
+                      <a:endParaRPr lang="zh-CN"/>
                     </a:p>
                   </a:txBody>
                   <a:tcPr marL="9525" marR="9525" marT="9525" marB="0" anchor="b"/>
@@ -11746,7 +12080,7 @@
                     <a:bodyPr/>
                     <a:lstStyle/>
                     <a:p>
-                      <a:endParaRPr lang="zh-CN" altLang="en-US"/>
+                      <a:endParaRPr lang="zh-CN"/>
                     </a:p>
                   </a:txBody>
                   <a:tcPr/>
@@ -12017,7 +12351,6 @@
                         <a:buSzTx/>
                         <a:buFontTx/>
                         <a:buNone/>
-                        <a:tabLst/>
                         <a:defRPr/>
                       </a:pPr>
                       <a:endParaRPr lang="en-US" altLang="zh-CN" sz="2200" b="1" i="0" u="none" strike="noStrike" dirty="0" smtClean="0">
@@ -12042,7 +12375,6 @@
                         <a:buSzTx/>
                         <a:buFontTx/>
                         <a:buNone/>
-                        <a:tabLst/>
                         <a:defRPr/>
                       </a:pPr>
                       <a:r>
@@ -12076,7 +12408,6 @@
                         <a:buSzTx/>
                         <a:buFontTx/>
                         <a:buNone/>
-                        <a:tabLst/>
                         <a:defRPr/>
                       </a:pPr>
                       <a:r>
@@ -12218,7 +12549,7 @@
                     <a:bodyPr/>
                     <a:lstStyle/>
                     <a:p>
-                      <a:endParaRPr lang="zh-CN" altLang="en-US"/>
+                      <a:endParaRPr lang="zh-CN"/>
                     </a:p>
                   </a:txBody>
                   <a:tcPr/>
@@ -12228,7 +12559,7 @@
                     <a:bodyPr/>
                     <a:lstStyle/>
                     <a:p>
-                      <a:endParaRPr lang="zh-CN" altLang="en-US"/>
+                      <a:endParaRPr lang="zh-CN"/>
                     </a:p>
                   </a:txBody>
                   <a:tcPr/>
@@ -12238,7 +12569,7 @@
                     <a:bodyPr/>
                     <a:lstStyle/>
                     <a:p>
-                      <a:endParaRPr lang="zh-CN" altLang="en-US"/>
+                      <a:endParaRPr lang="zh-CN"/>
                     </a:p>
                   </a:txBody>
                   <a:tcPr/>
@@ -12248,7 +12579,7 @@
                     <a:bodyPr/>
                     <a:lstStyle/>
                     <a:p>
-                      <a:endParaRPr lang="zh-CN" altLang="en-US"/>
+                      <a:endParaRPr lang="zh-CN"/>
                     </a:p>
                   </a:txBody>
                   <a:tcPr/>
@@ -12258,7 +12589,7 @@
                     <a:bodyPr/>
                     <a:lstStyle/>
                     <a:p>
-                      <a:endParaRPr lang="zh-CN" altLang="en-US"/>
+                      <a:endParaRPr lang="zh-CN"/>
                     </a:p>
                   </a:txBody>
                   <a:tcPr/>
@@ -12268,7 +12599,7 @@
                     <a:bodyPr/>
                     <a:lstStyle/>
                     <a:p>
-                      <a:endParaRPr lang="zh-CN" altLang="en-US"/>
+                      <a:endParaRPr lang="zh-CN"/>
                     </a:p>
                   </a:txBody>
                   <a:tcPr/>
@@ -12278,7 +12609,7 @@
                     <a:bodyPr/>
                     <a:lstStyle/>
                     <a:p>
-                      <a:endParaRPr lang="zh-CN" altLang="en-US"/>
+                      <a:endParaRPr lang="zh-CN"/>
                     </a:p>
                   </a:txBody>
                   <a:tcPr/>
@@ -12288,7 +12619,7 @@
                     <a:bodyPr/>
                     <a:lstStyle/>
                     <a:p>
-                      <a:endParaRPr lang="zh-CN" altLang="en-US"/>
+                      <a:endParaRPr lang="zh-CN"/>
                     </a:p>
                   </a:txBody>
                   <a:tcPr/>
@@ -12298,7 +12629,7 @@
                     <a:bodyPr/>
                     <a:lstStyle/>
                     <a:p>
-                      <a:endParaRPr lang="zh-CN" altLang="en-US"/>
+                      <a:endParaRPr lang="zh-CN"/>
                     </a:p>
                   </a:txBody>
                   <a:tcPr/>
@@ -12310,7 +12641,7 @@
                     <a:bodyPr/>
                     <a:lstStyle/>
                     <a:p>
-                      <a:endParaRPr lang="zh-CN" altLang="en-US"/>
+                      <a:endParaRPr lang="zh-CN"/>
                     </a:p>
                   </a:txBody>
                   <a:tcPr/>
@@ -12320,7 +12651,7 @@
                     <a:bodyPr/>
                     <a:lstStyle/>
                     <a:p>
-                      <a:endParaRPr lang="zh-CN" altLang="en-US"/>
+                      <a:endParaRPr lang="zh-CN"/>
                     </a:p>
                   </a:txBody>
                   <a:tcPr/>
@@ -12330,7 +12661,7 @@
                     <a:bodyPr/>
                     <a:lstStyle/>
                     <a:p>
-                      <a:endParaRPr lang="zh-CN" altLang="en-US"/>
+                      <a:endParaRPr lang="zh-CN"/>
                     </a:p>
                   </a:txBody>
                   <a:tcPr/>
@@ -12340,7 +12671,7 @@
                     <a:bodyPr/>
                     <a:lstStyle/>
                     <a:p>
-                      <a:endParaRPr lang="zh-CN" altLang="en-US"/>
+                      <a:endParaRPr lang="zh-CN"/>
                     </a:p>
                   </a:txBody>
                   <a:tcPr/>
@@ -12350,7 +12681,7 @@
                     <a:bodyPr/>
                     <a:lstStyle/>
                     <a:p>
-                      <a:endParaRPr lang="zh-CN" altLang="en-US"/>
+                      <a:endParaRPr lang="zh-CN"/>
                     </a:p>
                   </a:txBody>
                   <a:tcPr/>
@@ -12360,7 +12691,7 @@
                     <a:bodyPr/>
                     <a:lstStyle/>
                     <a:p>
-                      <a:endParaRPr lang="zh-CN" altLang="en-US"/>
+                      <a:endParaRPr lang="zh-CN"/>
                     </a:p>
                   </a:txBody>
                   <a:tcPr/>
@@ -12712,13 +13043,7 @@
                     <a:bodyPr/>
                     <a:lstStyle/>
                     <a:p>
-                      <a:pPr algn="ctr" fontAlgn="b"/>
-                      <a:endParaRPr lang="en-US" altLang="zh-CN" sz="2800" b="0" i="0" u="none" strike="noStrike" dirty="0">
-                        <a:effectLst/>
-                        <a:latin typeface="Times New Roman" panose="02020603050405020304" pitchFamily="18" charset="0"/>
-                        <a:ea typeface="宋体" panose="02010600030101010101" pitchFamily="2" charset="-122"/>
-                        <a:cs typeface="Times New Roman" panose="02020603050405020304" pitchFamily="18" charset="0"/>
-                      </a:endParaRPr>
+                      <a:endParaRPr lang="zh-CN"/>
                     </a:p>
                   </a:txBody>
                   <a:tcPr marL="9525" marR="9525" marT="9525" marB="0" anchor="b"/>
@@ -12761,7 +13086,6 @@
                         <a:buSzTx/>
                         <a:buFontTx/>
                         <a:buNone/>
-                        <a:tabLst/>
                         <a:defRPr/>
                       </a:pPr>
                       <a:r>
@@ -13078,13 +13402,7 @@
                     <a:bodyPr/>
                     <a:lstStyle/>
                     <a:p>
-                      <a:pPr algn="ctr" fontAlgn="b"/>
-                      <a:endParaRPr lang="en-US" altLang="zh-CN" sz="2800" b="0" i="0" u="none" strike="noStrike" dirty="0">
-                        <a:effectLst/>
-                        <a:latin typeface="Times New Roman" panose="02020603050405020304" pitchFamily="18" charset="0"/>
-                        <a:ea typeface="宋体" panose="02010600030101010101" pitchFamily="2" charset="-122"/>
-                        <a:cs typeface="Times New Roman" panose="02020603050405020304" pitchFamily="18" charset="0"/>
-                      </a:endParaRPr>
+                      <a:endParaRPr lang="zh-CN"/>
                     </a:p>
                   </a:txBody>
                   <a:tcPr marL="9525" marR="9525" marT="9525" marB="0" anchor="b"/>
@@ -13127,7 +13445,6 @@
                         <a:buSzTx/>
                         <a:buFontTx/>
                         <a:buNone/>
-                        <a:tabLst/>
                         <a:defRPr/>
                       </a:pPr>
                       <a:r>
@@ -13446,13 +13763,7 @@
                     <a:bodyPr/>
                     <a:lstStyle/>
                     <a:p>
-                      <a:pPr algn="ctr" fontAlgn="b"/>
-                      <a:endParaRPr lang="en-US" altLang="zh-CN" sz="2800" b="0" i="0" u="none" strike="noStrike" dirty="0">
-                        <a:effectLst/>
-                        <a:latin typeface="Times New Roman" panose="02020603050405020304" pitchFamily="18" charset="0"/>
-                        <a:ea typeface="宋体" panose="02010600030101010101" pitchFamily="2" charset="-122"/>
-                        <a:cs typeface="Times New Roman" panose="02020603050405020304" pitchFamily="18" charset="0"/>
-                      </a:endParaRPr>
+                      <a:endParaRPr lang="zh-CN"/>
                     </a:p>
                   </a:txBody>
                   <a:tcPr marL="9525" marR="9525" marT="9525" marB="0" anchor="b"/>
@@ -13495,7 +13806,6 @@
                         <a:buSzTx/>
                         <a:buFontTx/>
                         <a:buNone/>
-                        <a:tabLst/>
                         <a:defRPr/>
                       </a:pPr>
                       <a:r>
@@ -13847,13 +14157,7 @@
                     <a:bodyPr/>
                     <a:lstStyle/>
                     <a:p>
-                      <a:pPr algn="ctr" fontAlgn="b"/>
-                      <a:endParaRPr lang="en-US" altLang="zh-CN" sz="2800" b="0" i="0" u="none" strike="noStrike" dirty="0">
-                        <a:effectLst/>
-                        <a:latin typeface="Times New Roman" panose="02020603050405020304" pitchFamily="18" charset="0"/>
-                        <a:ea typeface="宋体" panose="02010600030101010101" pitchFamily="2" charset="-122"/>
-                        <a:cs typeface="Times New Roman" panose="02020603050405020304" pitchFamily="18" charset="0"/>
-                      </a:endParaRPr>
+                      <a:endParaRPr lang="zh-CN"/>
                     </a:p>
                   </a:txBody>
                   <a:tcPr marL="9525" marR="9525" marT="9525" marB="0" anchor="b"/>
@@ -13896,7 +14200,6 @@
                         <a:buSzTx/>
                         <a:buFontTx/>
                         <a:buNone/>
-                        <a:tabLst/>
                         <a:defRPr/>
                       </a:pPr>
                       <a:r>
@@ -14248,13 +14551,7 @@
                     <a:bodyPr/>
                     <a:lstStyle/>
                     <a:p>
-                      <a:pPr algn="ctr" fontAlgn="b"/>
-                      <a:endParaRPr lang="en-US" altLang="zh-CN" sz="2800" b="0" i="0" u="none" strike="noStrike" dirty="0">
-                        <a:effectLst/>
-                        <a:latin typeface="Times New Roman" panose="02020603050405020304" pitchFamily="18" charset="0"/>
-                        <a:ea typeface="宋体" panose="02010600030101010101" pitchFamily="2" charset="-122"/>
-                        <a:cs typeface="Times New Roman" panose="02020603050405020304" pitchFamily="18" charset="0"/>
-                      </a:endParaRPr>
+                      <a:endParaRPr lang="zh-CN"/>
                     </a:p>
                   </a:txBody>
                   <a:tcPr marL="9525" marR="9525" marT="9525" marB="0" anchor="b"/>
@@ -14297,7 +14594,6 @@
                         <a:buSzTx/>
                         <a:buFontTx/>
                         <a:buNone/>
-                        <a:tabLst/>
                         <a:defRPr/>
                       </a:pPr>
                       <a:r>
@@ -14476,7 +14772,6 @@
                         <a:buSzTx/>
                         <a:buFontTx/>
                         <a:buNone/>
-                        <a:tabLst/>
                         <a:defRPr/>
                       </a:pPr>
                       <a:r>
@@ -14515,7 +14810,6 @@
                         <a:buSzTx/>
                         <a:buFontTx/>
                         <a:buNone/>
-                        <a:tabLst/>
                         <a:defRPr/>
                       </a:pPr>
                       <a:endParaRPr lang="en-US" altLang="zh-CN" sz="2200" b="1" i="0" u="none" strike="noStrike" dirty="0">
@@ -14547,7 +14841,6 @@
                         <a:buSzTx/>
                         <a:buFontTx/>
                         <a:buNone/>
-                        <a:tabLst/>
                         <a:defRPr/>
                       </a:pPr>
                       <a:endParaRPr lang="en-US" altLang="zh-CN" sz="2200" b="1" i="0" u="none" strike="noStrike" dirty="0">
@@ -14561,7 +14854,7 @@
                   <a:tcPr marL="8744" marR="8744" marT="9525" marB="0" anchor="b"/>
                 </a:tc>
               </a:tr>
-              <a:tr h="37070">
+              <a:tr h="0">
                 <a:tc rowSpan="2">
                   <a:txBody>
                     <a:bodyPr/>
@@ -14662,7 +14955,7 @@
                     <a:bodyPr/>
                     <a:lstStyle/>
                     <a:p>
-                      <a:endParaRPr lang="zh-CN" altLang="en-US"/>
+                      <a:endParaRPr lang="zh-CN"/>
                     </a:p>
                   </a:txBody>
                   <a:tcPr/>
@@ -14672,7 +14965,7 @@
                     <a:bodyPr/>
                     <a:lstStyle/>
                     <a:p>
-                      <a:endParaRPr lang="zh-CN" altLang="en-US"/>
+                      <a:endParaRPr lang="zh-CN"/>
                     </a:p>
                   </a:txBody>
                   <a:tcPr/>
@@ -14682,7 +14975,7 @@
                     <a:bodyPr/>
                     <a:lstStyle/>
                     <a:p>
-                      <a:endParaRPr lang="zh-CN" altLang="en-US"/>
+                      <a:endParaRPr lang="zh-CN"/>
                     </a:p>
                   </a:txBody>
                   <a:tcPr/>
@@ -14692,7 +14985,7 @@
                     <a:bodyPr/>
                     <a:lstStyle/>
                     <a:p>
-                      <a:endParaRPr lang="zh-CN" altLang="en-US"/>
+                      <a:endParaRPr lang="zh-CN"/>
                     </a:p>
                   </a:txBody>
                   <a:tcPr/>
@@ -14702,7 +14995,7 @@
                     <a:bodyPr/>
                     <a:lstStyle/>
                     <a:p>
-                      <a:endParaRPr lang="zh-CN" altLang="en-US"/>
+                      <a:endParaRPr lang="zh-CN"/>
                     </a:p>
                   </a:txBody>
                   <a:tcPr/>
@@ -14712,7 +15005,7 @@
                     <a:bodyPr/>
                     <a:lstStyle/>
                     <a:p>
-                      <a:endParaRPr lang="zh-CN" altLang="en-US"/>
+                      <a:endParaRPr lang="zh-CN"/>
                     </a:p>
                   </a:txBody>
                   <a:tcPr/>
@@ -14722,7 +15015,7 @@
                     <a:bodyPr/>
                     <a:lstStyle/>
                     <a:p>
-                      <a:endParaRPr lang="zh-CN" altLang="en-US"/>
+                      <a:endParaRPr lang="zh-CN"/>
                     </a:p>
                   </a:txBody>
                   <a:tcPr/>
@@ -14732,7 +15025,7 @@
                     <a:bodyPr/>
                     <a:lstStyle/>
                     <a:p>
-                      <a:endParaRPr lang="zh-CN" altLang="en-US"/>
+                      <a:endParaRPr lang="zh-CN"/>
                     </a:p>
                   </a:txBody>
                   <a:tcPr/>
@@ -14742,7 +15035,7 @@
                     <a:bodyPr/>
                     <a:lstStyle/>
                     <a:p>
-                      <a:endParaRPr lang="zh-CN" altLang="en-US"/>
+                      <a:endParaRPr lang="zh-CN"/>
                     </a:p>
                   </a:txBody>
                   <a:tcPr/>
@@ -14754,13 +15047,7 @@
                     <a:bodyPr/>
                     <a:lstStyle/>
                     <a:p>
-                      <a:pPr algn="ctr" fontAlgn="b"/>
-                      <a:endParaRPr lang="en-US" altLang="zh-CN" sz="2800" b="1" i="0" u="none" strike="noStrike" dirty="0">
-                        <a:effectLst/>
-                        <a:latin typeface="Times New Roman" panose="02020603050405020304" pitchFamily="18" charset="0"/>
-                        <a:ea typeface="楷体" panose="02010609060101010101" pitchFamily="49" charset="-122"/>
-                        <a:cs typeface="Times New Roman" panose="02020603050405020304" pitchFamily="18" charset="0"/>
-                      </a:endParaRPr>
+                      <a:endParaRPr lang="zh-CN"/>
                     </a:p>
                   </a:txBody>
                   <a:tcPr marL="8744" marR="8744" marT="9525" marB="0" anchor="b"/>
@@ -14770,13 +15057,7 @@
                     <a:bodyPr/>
                     <a:lstStyle/>
                     <a:p>
-                      <a:pPr algn="ctr" fontAlgn="b"/>
-                      <a:endParaRPr lang="en-US" altLang="zh-CN" sz="2800" b="1" i="0" u="none" strike="noStrike">
-                        <a:effectLst/>
-                        <a:latin typeface="Times New Roman" panose="02020603050405020304" pitchFamily="18" charset="0"/>
-                        <a:ea typeface="楷体" panose="02010609060101010101" pitchFamily="49" charset="-122"/>
-                        <a:cs typeface="Times New Roman" panose="02020603050405020304" pitchFamily="18" charset="0"/>
-                      </a:endParaRPr>
+                      <a:endParaRPr lang="zh-CN"/>
                     </a:p>
                   </a:txBody>
                   <a:tcPr marL="8744" marR="8744" marT="9525" marB="0" anchor="b"/>
@@ -14786,13 +15067,7 @@
                     <a:bodyPr/>
                     <a:lstStyle/>
                     <a:p>
-                      <a:pPr algn="ctr" fontAlgn="b"/>
-                      <a:endParaRPr lang="en-US" altLang="zh-CN" sz="2800" b="1" i="0" u="none" strike="noStrike">
-                        <a:effectLst/>
-                        <a:latin typeface="Times New Roman" panose="02020603050405020304" pitchFamily="18" charset="0"/>
-                        <a:ea typeface="楷体" panose="02010609060101010101" pitchFamily="49" charset="-122"/>
-                        <a:cs typeface="Times New Roman" panose="02020603050405020304" pitchFamily="18" charset="0"/>
-                      </a:endParaRPr>
+                      <a:endParaRPr lang="zh-CN"/>
                     </a:p>
                   </a:txBody>
                   <a:tcPr marL="8744" marR="8744" marT="9525" marB="0" anchor="b"/>
@@ -14802,13 +15077,7 @@
                     <a:bodyPr/>
                     <a:lstStyle/>
                     <a:p>
-                      <a:pPr algn="ctr" fontAlgn="b"/>
-                      <a:endParaRPr lang="en-US" altLang="zh-CN" sz="2800" b="1" i="0" u="none" strike="noStrike">
-                        <a:effectLst/>
-                        <a:latin typeface="Times New Roman" panose="02020603050405020304" pitchFamily="18" charset="0"/>
-                        <a:ea typeface="楷体" panose="02010609060101010101" pitchFamily="49" charset="-122"/>
-                        <a:cs typeface="Times New Roman" panose="02020603050405020304" pitchFamily="18" charset="0"/>
-                      </a:endParaRPr>
+                      <a:endParaRPr lang="zh-CN"/>
                     </a:p>
                   </a:txBody>
                   <a:tcPr marL="8744" marR="8744" marT="9525" marB="0" anchor="b"/>
@@ -14818,13 +15087,7 @@
                     <a:bodyPr/>
                     <a:lstStyle/>
                     <a:p>
-                      <a:pPr algn="ctr" fontAlgn="b"/>
-                      <a:endParaRPr lang="en-US" altLang="zh-CN" sz="2800" b="1" i="0" u="none" strike="noStrike" dirty="0">
-                        <a:effectLst/>
-                        <a:latin typeface="Times New Roman" panose="02020603050405020304" pitchFamily="18" charset="0"/>
-                        <a:ea typeface="楷体" panose="02010609060101010101" pitchFamily="49" charset="-122"/>
-                        <a:cs typeface="Times New Roman" panose="02020603050405020304" pitchFamily="18" charset="0"/>
-                      </a:endParaRPr>
+                      <a:endParaRPr lang="zh-CN"/>
                     </a:p>
                   </a:txBody>
                   <a:tcPr marL="8744" marR="8744" marT="9525" marB="0" anchor="b"/>
@@ -14834,13 +15097,7 @@
                     <a:bodyPr/>
                     <a:lstStyle/>
                     <a:p>
-                      <a:pPr algn="ctr" fontAlgn="b"/>
-                      <a:endParaRPr lang="en-US" altLang="zh-CN" sz="2800" b="0" i="0" u="none" strike="noStrike" dirty="0">
-                        <a:effectLst/>
-                        <a:latin typeface="Times New Roman" panose="02020603050405020304" pitchFamily="18" charset="0"/>
-                        <a:ea typeface="宋体" panose="02010600030101010101" pitchFamily="2" charset="-122"/>
-                        <a:cs typeface="Times New Roman" panose="02020603050405020304" pitchFamily="18" charset="0"/>
-                      </a:endParaRPr>
+                      <a:endParaRPr lang="zh-CN"/>
                     </a:p>
                   </a:txBody>
                   <a:tcPr marL="9525" marR="9525" marT="9525" marB="0" anchor="b"/>
@@ -14883,7 +15140,6 @@
                         <a:buSzTx/>
                         <a:buFontTx/>
                         <a:buNone/>
-                        <a:tabLst/>
                         <a:defRPr/>
                       </a:pPr>
                       <a:r>
@@ -15062,7 +15318,6 @@
                         <a:buSzTx/>
                         <a:buFontTx/>
                         <a:buNone/>
-                        <a:tabLst/>
                         <a:defRPr/>
                       </a:pPr>
                       <a:r>
@@ -15101,7 +15356,6 @@
                         <a:buSzTx/>
                         <a:buFontTx/>
                         <a:buNone/>
-                        <a:tabLst/>
                         <a:defRPr/>
                       </a:pPr>
                       <a:endParaRPr lang="en-US" altLang="zh-CN" sz="2200" b="1" i="0" u="none" strike="noStrike" dirty="0">
@@ -15133,7 +15387,6 @@
                         <a:buSzTx/>
                         <a:buFontTx/>
                         <a:buNone/>
-                        <a:tabLst/>
                         <a:defRPr/>
                       </a:pPr>
                       <a:endParaRPr lang="en-US" altLang="zh-CN" sz="2200" b="1" i="0" u="none" strike="noStrike" dirty="0">
@@ -15248,13 +15501,7 @@
                     <a:bodyPr/>
                     <a:lstStyle/>
                     <a:p>
-                      <a:pPr algn="ctr" fontAlgn="b"/>
-                      <a:endParaRPr lang="en-US" altLang="zh-CN" sz="2800" b="0" i="0" u="none" strike="noStrike" dirty="0">
-                        <a:effectLst/>
-                        <a:latin typeface="Times New Roman" panose="02020603050405020304" pitchFamily="18" charset="0"/>
-                        <a:ea typeface="宋体" panose="02010600030101010101" pitchFamily="2" charset="-122"/>
-                        <a:cs typeface="Times New Roman" panose="02020603050405020304" pitchFamily="18" charset="0"/>
-                      </a:endParaRPr>
+                      <a:endParaRPr lang="zh-CN"/>
                     </a:p>
                   </a:txBody>
                   <a:tcPr marL="9525" marR="9525" marT="9525" marB="0" anchor="b"/>
@@ -15297,7 +15544,6 @@
                         <a:buSzTx/>
                         <a:buFontTx/>
                         <a:buNone/>
-                        <a:tabLst/>
                         <a:defRPr/>
                       </a:pPr>
                       <a:r>
@@ -15616,13 +15862,7 @@
                     <a:bodyPr/>
                     <a:lstStyle/>
                     <a:p>
-                      <a:pPr algn="ctr" fontAlgn="b"/>
-                      <a:endParaRPr lang="en-US" altLang="zh-CN" sz="2800" b="0" i="0" u="none" strike="noStrike" dirty="0">
-                        <a:effectLst/>
-                        <a:latin typeface="Times New Roman" panose="02020603050405020304" pitchFamily="18" charset="0"/>
-                        <a:ea typeface="宋体" panose="02010600030101010101" pitchFamily="2" charset="-122"/>
-                        <a:cs typeface="Times New Roman" panose="02020603050405020304" pitchFamily="18" charset="0"/>
-                      </a:endParaRPr>
+                      <a:endParaRPr lang="zh-CN"/>
                     </a:p>
                   </a:txBody>
                   <a:tcPr marL="9525" marR="9525" marT="9525" marB="0" anchor="b"/>
@@ -15665,7 +15905,6 @@
                         <a:buSzTx/>
                         <a:buFontTx/>
                         <a:buNone/>
-                        <a:tabLst/>
                         <a:defRPr/>
                       </a:pPr>
                       <a:r>
@@ -15954,11 +16193,6 @@
         </p:txBody>
       </p:sp>
     </p:spTree>
-    <p:extLst>
-      <p:ext uri="{BB962C8B-B14F-4D97-AF65-F5344CB8AC3E}">
-        <p14:creationId xmlns:p14="http://schemas.microsoft.com/office/powerpoint/2010/main" val="1042016427"/>
-      </p:ext>
-    </p:extLst>
   </p:cSld>
   <p:clrMapOvr>
     <a:masterClrMapping/>
@@ -16160,11 +16394,6 @@
         </p:txBody>
       </p:sp>
     </p:spTree>
-    <p:extLst>
-      <p:ext uri="{BB962C8B-B14F-4D97-AF65-F5344CB8AC3E}">
-        <p14:creationId xmlns:p14="http://schemas.microsoft.com/office/powerpoint/2010/main" val="1853327406"/>
-      </p:ext>
-    </p:extLst>
   </p:cSld>
   <p:clrMapOvr>
     <a:masterClrMapping/>
@@ -16782,11 +17011,6 @@
         </p:txBody>
       </p:sp>
     </p:spTree>
-    <p:extLst>
-      <p:ext uri="{BB962C8B-B14F-4D97-AF65-F5344CB8AC3E}">
-        <p14:creationId xmlns:p14="http://schemas.microsoft.com/office/powerpoint/2010/main" val="211799518"/>
-      </p:ext>
-    </p:extLst>
   </p:cSld>
   <p:clrMapOvr>
     <a:masterClrMapping/>
@@ -16988,11 +17212,6 @@
         </p:txBody>
       </p:sp>
     </p:spTree>
-    <p:extLst>
-      <p:ext uri="{BB962C8B-B14F-4D97-AF65-F5344CB8AC3E}">
-        <p14:creationId xmlns:p14="http://schemas.microsoft.com/office/powerpoint/2010/main" val="4260226430"/>
-      </p:ext>
-    </p:extLst>
   </p:cSld>
   <p:clrMapOvr>
     <a:masterClrMapping/>
@@ -17107,8 +17326,12 @@
               <a:t>D = </a:t>
             </a:r>
             <a:r>
+              <a:rPr lang="zh-CN" altLang="en-US" dirty="0"/>
+              <a:t>显示器</a:t>
+            </a:r>
+            <a:r>
               <a:rPr lang="zh-CN" altLang="en-US" dirty="0" smtClean="0"/>
-              <a:t>屏幕尺寸</a:t>
+              <a:t>尺寸</a:t>
             </a:r>
             <a:endParaRPr lang="en-US" altLang="zh-CN" dirty="0" smtClean="0"/>
           </a:p>
@@ -17188,8 +17411,12 @@
               <a:buNone/>
             </a:pPr>
             <a:r>
+              <a:rPr lang="zh-CN" altLang="en-US" dirty="0"/>
+              <a:t>显示器</a:t>
+            </a:r>
+            <a:r>
               <a:rPr lang="zh-CN" altLang="en-US" dirty="0" smtClean="0"/>
-              <a:t>显示器尺寸：</a:t>
+              <a:t>尺寸：</a:t>
             </a:r>
             <a:r>
               <a:rPr lang="en-US" altLang="zh-CN" dirty="0" smtClean="0"/>
@@ -17214,9 +17441,7 @@
       <p:sp>
         <p:nvSpPr>
           <p:cNvPr id="4" name="内容占位符 2"/>
-          <p:cNvSpPr txBox="1">
-            <a:spLocks/>
-          </p:cNvSpPr>
+          <p:cNvSpPr txBox="1"/>
           <p:nvPr/>
         </p:nvSpPr>
         <p:spPr>
@@ -17436,11 +17661,6 @@
         </p:txBody>
       </p:sp>
     </p:spTree>
-    <p:extLst>
-      <p:ext uri="{BB962C8B-B14F-4D97-AF65-F5344CB8AC3E}">
-        <p14:creationId xmlns:p14="http://schemas.microsoft.com/office/powerpoint/2010/main" val="3506238426"/>
-      </p:ext>
-    </p:extLst>
   </p:cSld>
   <p:clrMapOvr>
     <a:masterClrMapping/>
@@ -17776,11 +17996,6 @@
         </p:txBody>
       </p:sp>
     </p:spTree>
-    <p:extLst>
-      <p:ext uri="{BB962C8B-B14F-4D97-AF65-F5344CB8AC3E}">
-        <p14:creationId xmlns:p14="http://schemas.microsoft.com/office/powerpoint/2010/main" val="1069333379"/>
-      </p:ext>
-    </p:extLst>
   </p:cSld>
   <p:clrMapOvr>
     <a:masterClrMapping/>
@@ -18584,9 +18799,7 @@
           <p:cNvGraphicFramePr>
             <a:graphicFrameLocks noGrp="1"/>
           </p:cNvGraphicFramePr>
-          <p:nvPr>
-            <p:extLst/>
-          </p:nvPr>
+          <p:nvPr/>
         </p:nvGraphicFramePr>
         <p:xfrm>
           <a:off x="479376" y="188640"/>
@@ -18660,12 +18873,7 @@
                     <a:bodyPr/>
                     <a:lstStyle/>
                     <a:p>
-                      <a:pPr algn="ctr" fontAlgn="b"/>
-                      <a:endParaRPr lang="en-US" altLang="zh-CN" sz="1200" b="0" i="0" u="none" strike="noStrike" dirty="0">
-                        <a:effectLst/>
-                        <a:latin typeface="宋体" panose="02010600030101010101" pitchFamily="2" charset="-122"/>
-                        <a:ea typeface="宋体" panose="02010600030101010101" pitchFamily="2" charset="-122"/>
-                      </a:endParaRPr>
+                      <a:endParaRPr lang="zh-CN"/>
                     </a:p>
                   </a:txBody>
                   <a:tcPr marL="9525" marR="9525" marT="9525" marB="0" anchor="b"/>
@@ -18675,12 +18883,7 @@
                     <a:bodyPr/>
                     <a:lstStyle/>
                     <a:p>
-                      <a:pPr algn="ctr" fontAlgn="b"/>
-                      <a:endParaRPr lang="en-US" altLang="zh-CN" sz="1200" b="0" i="0" u="none" strike="noStrike" dirty="0">
-                        <a:effectLst/>
-                        <a:latin typeface="宋体" panose="02010600030101010101" pitchFamily="2" charset="-122"/>
-                        <a:ea typeface="宋体" panose="02010600030101010101" pitchFamily="2" charset="-122"/>
-                      </a:endParaRPr>
+                      <a:endParaRPr lang="zh-CN"/>
                     </a:p>
                   </a:txBody>
                   <a:tcPr marL="9525" marR="9525" marT="9525" marB="0" anchor="b"/>
@@ -18690,12 +18893,7 @@
                     <a:bodyPr/>
                     <a:lstStyle/>
                     <a:p>
-                      <a:pPr algn="ctr" fontAlgn="b"/>
-                      <a:endParaRPr lang="en-US" altLang="zh-CN" sz="1200" b="0" i="0" u="none" strike="noStrike" dirty="0">
-                        <a:effectLst/>
-                        <a:latin typeface="宋体" panose="02010600030101010101" pitchFamily="2" charset="-122"/>
-                        <a:ea typeface="宋体" panose="02010600030101010101" pitchFamily="2" charset="-122"/>
-                      </a:endParaRPr>
+                      <a:endParaRPr lang="zh-CN"/>
                     </a:p>
                   </a:txBody>
                   <a:tcPr marL="9525" marR="9525" marT="9525" marB="0" anchor="b"/>
@@ -18707,12 +18905,7 @@
                     <a:bodyPr/>
                     <a:lstStyle/>
                     <a:p>
-                      <a:pPr algn="ctr" fontAlgn="b"/>
-                      <a:endParaRPr lang="zh-CN" altLang="en-US" sz="2400" b="1" i="0" u="none" strike="noStrike" baseline="0" dirty="0">
-                        <a:effectLst/>
-                        <a:latin typeface="Times New Roman" panose="02020603050405020304" pitchFamily="18" charset="0"/>
-                        <a:ea typeface="楷体" panose="02010609060101010101" pitchFamily="49" charset="-122"/>
-                      </a:endParaRPr>
+                      <a:endParaRPr lang="zh-CN"/>
                     </a:p>
                   </a:txBody>
                   <a:tcPr marL="9525" marR="9525" marT="9525" marB="0" anchor="b"/>
@@ -18816,12 +19009,7 @@
                     <a:bodyPr/>
                     <a:lstStyle/>
                     <a:p>
-                      <a:pPr algn="ctr" fontAlgn="b"/>
-                      <a:endParaRPr lang="zh-CN" altLang="en-US" sz="2400" b="1" i="0" u="none" strike="noStrike" baseline="0" dirty="0">
-                        <a:effectLst/>
-                        <a:latin typeface="Times New Roman" panose="02020603050405020304" pitchFamily="18" charset="0"/>
-                        <a:ea typeface="楷体" panose="02010609060101010101" pitchFamily="49" charset="-122"/>
-                      </a:endParaRPr>
+                      <a:endParaRPr lang="zh-CN"/>
                     </a:p>
                   </a:txBody>
                   <a:tcPr marL="9525" marR="9525" marT="9525" marB="0" anchor="b"/>
@@ -18854,12 +19042,7 @@
                     <a:bodyPr/>
                     <a:lstStyle/>
                     <a:p>
-                      <a:pPr algn="ctr" fontAlgn="b"/>
-                      <a:endParaRPr lang="en-US" altLang="zh-CN" sz="1200" b="0" i="0" u="none" strike="noStrike" dirty="0">
-                        <a:effectLst/>
-                        <a:latin typeface="宋体" panose="02010600030101010101" pitchFamily="2" charset="-122"/>
-                        <a:ea typeface="宋体" panose="02010600030101010101" pitchFamily="2" charset="-122"/>
-                      </a:endParaRPr>
+                      <a:endParaRPr lang="zh-CN"/>
                     </a:p>
                   </a:txBody>
                   <a:tcPr marL="9525" marR="9525" marT="9525" marB="0" anchor="b"/>
@@ -18869,12 +19052,7 @@
                     <a:bodyPr/>
                     <a:lstStyle/>
                     <a:p>
-                      <a:pPr algn="ctr" fontAlgn="b"/>
-                      <a:endParaRPr lang="en-US" altLang="zh-CN" sz="1200" b="0" i="0" u="none" strike="noStrike" dirty="0">
-                        <a:effectLst/>
-                        <a:latin typeface="宋体" panose="02010600030101010101" pitchFamily="2" charset="-122"/>
-                        <a:ea typeface="宋体" panose="02010600030101010101" pitchFamily="2" charset="-122"/>
-                      </a:endParaRPr>
+                      <a:endParaRPr lang="zh-CN"/>
                     </a:p>
                   </a:txBody>
                   <a:tcPr marL="9525" marR="9525" marT="9525" marB="0" anchor="b"/>
@@ -18884,12 +19062,7 @@
                     <a:bodyPr/>
                     <a:lstStyle/>
                     <a:p>
-                      <a:pPr algn="ctr" fontAlgn="b"/>
-                      <a:endParaRPr lang="en-US" altLang="zh-CN" sz="1200" b="0" i="0" u="none" strike="noStrike" dirty="0">
-                        <a:effectLst/>
-                        <a:latin typeface="宋体" panose="02010600030101010101" pitchFamily="2" charset="-122"/>
-                        <a:ea typeface="宋体" panose="02010600030101010101" pitchFamily="2" charset="-122"/>
-                      </a:endParaRPr>
+                      <a:endParaRPr lang="zh-CN"/>
                     </a:p>
                   </a:txBody>
                   <a:tcPr marL="9525" marR="9525" marT="9525" marB="0" anchor="b"/>
@@ -19830,11 +20003,6 @@
         </a:graphic>
       </p:graphicFrame>
     </p:spTree>
-    <p:extLst>
-      <p:ext uri="{BB962C8B-B14F-4D97-AF65-F5344CB8AC3E}">
-        <p14:creationId xmlns:p14="http://schemas.microsoft.com/office/powerpoint/2010/main" val="2152137749"/>
-      </p:ext>
-    </p:extLst>
   </p:cSld>
   <p:clrMapOvr>
     <a:masterClrMapping/>
@@ -19906,13 +20074,7 @@
           <p:cNvGraphicFramePr>
             <a:graphicFrameLocks noGrp="1"/>
           </p:cNvGraphicFramePr>
-          <p:nvPr>
-            <p:extLst>
-              <p:ext uri="{D42A27DB-BD31-4B8C-83A1-F6EECF244321}">
-                <p14:modId xmlns:p14="http://schemas.microsoft.com/office/powerpoint/2010/main" val="2042414454"/>
-              </p:ext>
-            </p:extLst>
-          </p:nvPr>
+          <p:nvPr/>
         </p:nvGraphicFramePr>
         <p:xfrm>
           <a:off x="767408" y="1124744"/>
@@ -23780,11 +23942,6 @@
         </a:graphic>
       </p:graphicFrame>
     </p:spTree>
-    <p:extLst>
-      <p:ext uri="{BB962C8B-B14F-4D97-AF65-F5344CB8AC3E}">
-        <p14:creationId xmlns:p14="http://schemas.microsoft.com/office/powerpoint/2010/main" val="1482178981"/>
-      </p:ext>
-    </p:extLst>
   </p:cSld>
   <p:clrMapOvr>
     <a:masterClrMapping/>
@@ -23827,7 +23984,6 @@
           </p:cNvGraphicFramePr>
           <p:nvPr>
             <p:ph idx="1"/>
-            <p:extLst/>
           </p:nvPr>
         </p:nvGraphicFramePr>
         <p:xfrm>
@@ -24234,7 +24390,6 @@
                         <a:buSzTx/>
                         <a:buFontTx/>
                         <a:buNone/>
-                        <a:tabLst/>
                         <a:defRPr/>
                       </a:pPr>
                       <a:r>
@@ -25386,7 +25541,6 @@
                         <a:buSzTx/>
                         <a:buFontTx/>
                         <a:buNone/>
-                        <a:tabLst/>
                         <a:defRPr/>
                       </a:pPr>
                       <a:r>
@@ -26113,7 +26267,6 @@
                         <a:buSzTx/>
                         <a:buFontTx/>
                         <a:buNone/>
-                        <a:tabLst/>
                         <a:defRPr/>
                       </a:pPr>
                       <a:r>
@@ -26250,7 +26403,6 @@
                         <a:buSzTx/>
                         <a:buFontTx/>
                         <a:buNone/>
-                        <a:tabLst/>
                         <a:defRPr/>
                       </a:pPr>
                       <a:r>
@@ -26562,7 +26714,6 @@
                         <a:buSzTx/>
                         <a:buFontTx/>
                         <a:buNone/>
-                        <a:tabLst/>
                         <a:defRPr/>
                       </a:pPr>
                       <a:r>
@@ -26699,7 +26850,6 @@
                         <a:buSzTx/>
                         <a:buFontTx/>
                         <a:buNone/>
-                        <a:tabLst/>
                         <a:defRPr/>
                       </a:pPr>
                       <a:r>
@@ -27071,7 +27221,6 @@
                         <a:buSzTx/>
                         <a:buFontTx/>
                         <a:buNone/>
-                        <a:tabLst/>
                         <a:defRPr/>
                       </a:pPr>
                       <a:r>
@@ -27148,7 +27297,6 @@
                         <a:buSzTx/>
                         <a:buFontTx/>
                         <a:buNone/>
-                        <a:tabLst/>
                         <a:defRPr/>
                       </a:pPr>
                       <a:r>
@@ -27225,7 +27373,6 @@
                         <a:buSzTx/>
                         <a:buFontTx/>
                         <a:buNone/>
-                        <a:tabLst/>
                         <a:defRPr/>
                       </a:pPr>
                       <a:r>
@@ -27477,7 +27624,6 @@
                         <a:buSzTx/>
                         <a:buFontTx/>
                         <a:buNone/>
-                        <a:tabLst/>
                         <a:defRPr/>
                       </a:pPr>
                       <a:r>
@@ -27554,7 +27700,6 @@
                         <a:buSzTx/>
                         <a:buFontTx/>
                         <a:buNone/>
-                        <a:tabLst/>
                         <a:defRPr/>
                       </a:pPr>
                       <a:r>
@@ -27631,7 +27776,6 @@
                         <a:buSzTx/>
                         <a:buFontTx/>
                         <a:buNone/>
-                        <a:tabLst/>
                         <a:defRPr/>
                       </a:pPr>
                       <a:r>
@@ -27708,7 +27852,6 @@
                         <a:buSzTx/>
                         <a:buFontTx/>
                         <a:buNone/>
-                        <a:tabLst/>
                         <a:defRPr/>
                       </a:pPr>
                       <a:r>
@@ -28020,7 +28163,6 @@
                         <a:buSzTx/>
                         <a:buFontTx/>
                         <a:buNone/>
-                        <a:tabLst/>
                         <a:defRPr/>
                       </a:pPr>
                       <a:r>
@@ -28097,7 +28239,6 @@
                         <a:buSzTx/>
                         <a:buFontTx/>
                         <a:buNone/>
-                        <a:tabLst/>
                         <a:defRPr/>
                       </a:pPr>
                       <a:r>
@@ -28174,7 +28315,6 @@
                         <a:buSzTx/>
                         <a:buFontTx/>
                         <a:buNone/>
-                        <a:tabLst/>
                         <a:defRPr/>
                       </a:pPr>
                       <a:r>
@@ -28426,7 +28566,6 @@
                         <a:buSzTx/>
                         <a:buFontTx/>
                         <a:buNone/>
-                        <a:tabLst/>
                         <a:defRPr/>
                       </a:pPr>
                       <a:r>
@@ -28503,7 +28642,6 @@
                         <a:buSzTx/>
                         <a:buFontTx/>
                         <a:buNone/>
-                        <a:tabLst/>
                         <a:defRPr/>
                       </a:pPr>
                       <a:r>
@@ -28580,7 +28718,6 @@
                         <a:buSzTx/>
                         <a:buFontTx/>
                         <a:buNone/>
-                        <a:tabLst/>
                         <a:defRPr/>
                       </a:pPr>
                       <a:r>
@@ -28657,7 +28794,6 @@
                         <a:buSzTx/>
                         <a:buFontTx/>
                         <a:buNone/>
-                        <a:tabLst/>
                         <a:defRPr/>
                       </a:pPr>
                       <a:r>
@@ -28969,7 +29105,6 @@
                         <a:buSzTx/>
                         <a:buFontTx/>
                         <a:buNone/>
-                        <a:tabLst/>
                         <a:defRPr/>
                       </a:pPr>
                       <a:r>
@@ -29046,7 +29181,6 @@
                         <a:buSzTx/>
                         <a:buFontTx/>
                         <a:buNone/>
-                        <a:tabLst/>
                         <a:defRPr/>
                       </a:pPr>
                       <a:r>
@@ -29123,7 +29257,6 @@
                         <a:buSzTx/>
                         <a:buFontTx/>
                         <a:buNone/>
-                        <a:tabLst/>
                         <a:defRPr/>
                       </a:pPr>
                       <a:r>
@@ -29375,7 +29508,6 @@
                         <a:buSzTx/>
                         <a:buFontTx/>
                         <a:buNone/>
-                        <a:tabLst/>
                         <a:defRPr/>
                       </a:pPr>
                       <a:r>
@@ -29452,7 +29584,6 @@
                         <a:buSzTx/>
                         <a:buFontTx/>
                         <a:buNone/>
-                        <a:tabLst/>
                         <a:defRPr/>
                       </a:pPr>
                       <a:r>
@@ -29529,7 +29660,6 @@
                         <a:buSzTx/>
                         <a:buFontTx/>
                         <a:buNone/>
-                        <a:tabLst/>
                         <a:defRPr/>
                       </a:pPr>
                       <a:r>
@@ -29606,7 +29736,6 @@
                         <a:buSzTx/>
                         <a:buFontTx/>
                         <a:buNone/>
-                        <a:tabLst/>
                         <a:defRPr/>
                       </a:pPr>
                       <a:r>
@@ -29825,11 +29954,6 @@
         </p:txBody>
       </p:sp>
     </p:spTree>
-    <p:extLst>
-      <p:ext uri="{BB962C8B-B14F-4D97-AF65-F5344CB8AC3E}">
-        <p14:creationId xmlns:p14="http://schemas.microsoft.com/office/powerpoint/2010/main" val="3643448908"/>
-      </p:ext>
-    </p:extLst>
   </p:cSld>
   <p:clrMapOvr>
     <a:masterClrMapping/>
@@ -30191,11 +30315,6 @@
         </p:txBody>
       </p:sp>
     </p:spTree>
-    <p:extLst>
-      <p:ext uri="{BB962C8B-B14F-4D97-AF65-F5344CB8AC3E}">
-        <p14:creationId xmlns:p14="http://schemas.microsoft.com/office/powerpoint/2010/main" val="3507047174"/>
-      </p:ext>
-    </p:extLst>
   </p:cSld>
   <p:clrMapOvr>
     <a:masterClrMapping/>
@@ -31039,11 +31158,6 @@
         </p:txBody>
       </p:sp>
     </p:spTree>
-    <p:extLst>
-      <p:ext uri="{BB962C8B-B14F-4D97-AF65-F5344CB8AC3E}">
-        <p14:creationId xmlns:p14="http://schemas.microsoft.com/office/powerpoint/2010/main" val="317311435"/>
-      </p:ext>
-    </p:extLst>
   </p:cSld>
   <p:clrMapOvr>
     <a:masterClrMapping/>
@@ -31396,11 +31510,6 @@
         </p:spPr>
       </p:pic>
     </p:spTree>
-    <p:extLst>
-      <p:ext uri="{BB962C8B-B14F-4D97-AF65-F5344CB8AC3E}">
-        <p14:creationId xmlns:p14="http://schemas.microsoft.com/office/powerpoint/2010/main" val="4102624382"/>
-      </p:ext>
-    </p:extLst>
   </p:cSld>
   <p:clrMapOvr>
     <a:masterClrMapping/>
@@ -31521,11 +31630,6 @@
         </p:spPr>
       </p:pic>
     </p:spTree>
-    <p:extLst>
-      <p:ext uri="{BB962C8B-B14F-4D97-AF65-F5344CB8AC3E}">
-        <p14:creationId xmlns:p14="http://schemas.microsoft.com/office/powerpoint/2010/main" val="4096043711"/>
-      </p:ext>
-    </p:extLst>
   </p:cSld>
   <p:clrMapOvr>
     <a:masterClrMapping/>
@@ -31544,189 +31648,6 @@
 </file>
 
 <file path=ppt/slides/slide33.xml><?xml version="1.0" encoding="utf-8"?>
-<p:sld xmlns:a="http://schemas.openxmlformats.org/drawingml/2006/main" xmlns:r="http://schemas.openxmlformats.org/officeDocument/2006/relationships" xmlns:p="http://schemas.openxmlformats.org/presentationml/2006/main">
-  <p:cSld>
-    <p:spTree>
-      <p:nvGrpSpPr>
-        <p:cNvPr id="1" name=""/>
-        <p:cNvGrpSpPr/>
-        <p:nvPr/>
-      </p:nvGrpSpPr>
-      <p:grpSpPr>
-        <a:xfrm>
-          <a:off x="0" y="0"/>
-          <a:ext cx="0" cy="0"/>
-          <a:chOff x="0" y="0"/>
-          <a:chExt cx="0" cy="0"/>
-        </a:xfrm>
-      </p:grpSpPr>
-      <p:sp>
-        <p:nvSpPr>
-          <p:cNvPr id="3" name="内容占位符 2"/>
-          <p:cNvSpPr>
-            <a:spLocks noGrp="1"/>
-          </p:cNvSpPr>
-          <p:nvPr>
-            <p:ph idx="1"/>
-          </p:nvPr>
-        </p:nvSpPr>
-        <p:spPr>
-          <a:xfrm>
-            <a:off x="335360" y="332656"/>
-            <a:ext cx="10668000" cy="4267200"/>
-          </a:xfrm>
-        </p:spPr>
-        <p:txBody>
-          <a:bodyPr/>
-          <a:lstStyle/>
-          <a:p>
-            <a:pPr marL="0" indent="0">
-              <a:buNone/>
-            </a:pPr>
-            <a:r>
-              <a:rPr lang="en-US" altLang="zh-CN" dirty="0" smtClean="0"/>
-              <a:t>1 Microsoft </a:t>
-            </a:r>
-            <a:r>
-              <a:rPr lang="en-US" altLang="zh-CN" dirty="0"/>
-              <a:t>Word 2013</a:t>
-            </a:r>
-            <a:r>
-              <a:rPr lang="zh-CN" altLang="en-US" dirty="0"/>
-              <a:t>版本中打印设置分打印范围（所有页，当前页，设定页）；打印页面（单面，双面）；方向（纵向、横向）；纸张类型（</a:t>
-            </a:r>
-            <a:r>
-              <a:rPr lang="en-US" altLang="zh-CN" dirty="0"/>
-              <a:t>A4,B3,A5,B5,</a:t>
-            </a:r>
-            <a:r>
-              <a:rPr lang="zh-CN" altLang="en-US" dirty="0"/>
-              <a:t>信纸）；页边距（正常，宽，窄，适中）请使用正交实验法设计</a:t>
-            </a:r>
-            <a:r>
-              <a:rPr lang="zh-CN" altLang="en-US" dirty="0" smtClean="0"/>
-              <a:t>测试用例</a:t>
-            </a:r>
-            <a:endParaRPr lang="en-US" altLang="zh-CN" dirty="0" smtClean="0"/>
-          </a:p>
-          <a:p>
-            <a:pPr marL="0" lvl="0" indent="0">
-              <a:lnSpc>
-                <a:spcPct val="130000"/>
-              </a:lnSpc>
-              <a:buNone/>
-            </a:pPr>
-            <a:r>
-              <a:rPr lang="en-US" altLang="zh-CN" dirty="0" smtClean="0"/>
-              <a:t>2 </a:t>
-            </a:r>
-            <a:r>
-              <a:rPr lang="zh-CN" altLang="zh-CN" dirty="0" smtClean="0"/>
-              <a:t>计算</a:t>
-            </a:r>
-            <a:r>
-              <a:rPr lang="zh-CN" altLang="zh-CN" dirty="0"/>
-              <a:t>出差补助为</a:t>
-            </a:r>
-            <a:r>
-              <a:rPr lang="en-US" altLang="zh-CN" dirty="0"/>
-              <a:t>:</a:t>
-            </a:r>
-            <a:endParaRPr lang="zh-CN" altLang="zh-CN" dirty="0"/>
-          </a:p>
-          <a:p>
-            <a:pPr marL="0" lvl="0" indent="0">
-              <a:lnSpc>
-                <a:spcPct val="130000"/>
-              </a:lnSpc>
-              <a:buNone/>
-            </a:pPr>
-            <a:r>
-              <a:rPr lang="zh-CN" altLang="zh-CN" dirty="0"/>
-              <a:t>       当员工办理长期出差时，不论是否出差，出差到哪里，每月固定补助</a:t>
-            </a:r>
-            <a:r>
-              <a:rPr lang="en-US" altLang="zh-CN" dirty="0"/>
-              <a:t>1000</a:t>
-            </a:r>
-            <a:r>
-              <a:rPr lang="zh-CN" altLang="zh-CN" dirty="0"/>
-              <a:t>元</a:t>
-            </a:r>
-            <a:r>
-              <a:rPr lang="zh-CN" altLang="zh-CN" dirty="0" smtClean="0"/>
-              <a:t>。</a:t>
-            </a:r>
-            <a:r>
-              <a:rPr lang="zh-CN" altLang="zh-CN" dirty="0"/>
-              <a:t> 当员工未办理长期出差时时，如果出差省会城市，则每月补助</a:t>
-            </a:r>
-            <a:r>
-              <a:rPr lang="en-US" altLang="zh-CN" dirty="0"/>
-              <a:t>1500</a:t>
-            </a:r>
-            <a:r>
-              <a:rPr lang="zh-CN" altLang="zh-CN" dirty="0"/>
-              <a:t>元，否则补助</a:t>
-            </a:r>
-            <a:r>
-              <a:rPr lang="en-US" altLang="zh-CN" dirty="0"/>
-              <a:t>800</a:t>
-            </a:r>
-            <a:r>
-              <a:rPr lang="zh-CN" altLang="zh-CN" dirty="0"/>
-              <a:t>元</a:t>
-            </a:r>
-            <a:r>
-              <a:rPr lang="en-US" altLang="zh-CN" dirty="0"/>
-              <a:t>;</a:t>
-            </a:r>
-            <a:r>
-              <a:rPr lang="zh-CN" altLang="en-US" dirty="0"/>
-              <a:t>不出差，补助为</a:t>
-            </a:r>
-            <a:r>
-              <a:rPr lang="en-US" altLang="zh-CN" dirty="0"/>
-              <a:t>0</a:t>
-            </a:r>
-            <a:r>
-              <a:rPr lang="zh-CN" altLang="en-US" dirty="0"/>
-              <a:t>。</a:t>
-            </a:r>
-            <a:r>
-              <a:rPr lang="en-US" altLang="zh-CN" dirty="0"/>
-              <a:t>	</a:t>
-            </a:r>
-          </a:p>
-          <a:p>
-            <a:endParaRPr lang="zh-CN" altLang="en-US" dirty="0"/>
-          </a:p>
-        </p:txBody>
-      </p:sp>
-    </p:spTree>
-    <p:extLst>
-      <p:ext uri="{BB962C8B-B14F-4D97-AF65-F5344CB8AC3E}">
-        <p14:creationId xmlns:p14="http://schemas.microsoft.com/office/powerpoint/2010/main" val="871147172"/>
-      </p:ext>
-    </p:extLst>
-  </p:cSld>
-  <p:clrMapOvr>
-    <a:masterClrMapping/>
-  </p:clrMapOvr>
-  <p:transition>
-    <p:blinds dir="vert"/>
-  </p:transition>
-  <p:timing>
-    <p:tnLst>
-      <p:par>
-        <p:cTn id="1" dur="indefinite" restart="never" nodeType="tmRoot"/>
-      </p:par>
-    </p:tnLst>
-  </p:timing>
-</p:sld>
-</file>
-
-<file path=ppt/slides/slide34.xml><?xml version="1.0" encoding="utf-8"?>
 <p:sld xmlns:a="http://schemas.openxmlformats.org/drawingml/2006/main" xmlns:r="http://schemas.openxmlformats.org/officeDocument/2006/relationships" xmlns:p="http://schemas.openxmlformats.org/presentationml/2006/main">
   <p:cSld>
     <p:spTree>
@@ -31768,8 +31689,8 @@
             </a:pPr>
             <a:r>
               <a:rPr lang="en-US" altLang="zh-CN" sz="4400" b="1" dirty="0" smtClean="0">
-                <a:latin typeface="黑体" pitchFamily="49" charset="-122"/>
-                <a:ea typeface="黑体" pitchFamily="49" charset="-122"/>
+                <a:latin typeface="黑体" panose="02010609060101010101" pitchFamily="49" charset="-122"/>
+                <a:ea typeface="黑体" panose="02010609060101010101" pitchFamily="49" charset="-122"/>
               </a:rPr>
               <a:t>Question</a:t>
             </a:r>
@@ -31778,11 +31699,6 @@
         </p:txBody>
       </p:sp>
     </p:spTree>
-    <p:extLst>
-      <p:ext uri="{BB962C8B-B14F-4D97-AF65-F5344CB8AC3E}">
-        <p14:creationId xmlns:p14="http://schemas.microsoft.com/office/powerpoint/2010/main" val="426843025"/>
-      </p:ext>
-    </p:extLst>
   </p:cSld>
   <p:clrMapOvr>
     <a:masterClrMapping/>
@@ -31904,12 +31820,8 @@
           <a:p>
             <a:pPr lvl="1"/>
             <a:r>
-              <a:rPr lang="zh-CN" altLang="en-US" dirty="0" smtClean="0"/>
-              <a:t>强边界点</a:t>
-            </a:r>
-            <a:r>
               <a:rPr lang="zh-CN" altLang="en-US" dirty="0"/>
-              <a:t>弱边界点</a:t>
+              <a:t>基于单缺陷假设</a:t>
             </a:r>
             <a:endParaRPr lang="en-US" altLang="zh-CN" dirty="0"/>
           </a:p>
@@ -31924,11 +31836,6 @@
         </p:txBody>
       </p:sp>
     </p:spTree>
-    <p:extLst>
-      <p:ext uri="{BB962C8B-B14F-4D97-AF65-F5344CB8AC3E}">
-        <p14:creationId xmlns:p14="http://schemas.microsoft.com/office/powerpoint/2010/main" val="3196110994"/>
-      </p:ext>
-    </p:extLst>
   </p:cSld>
   <p:clrMapOvr>
     <a:masterClrMapping/>
@@ -32588,7 +32495,7 @@
 </file>
 
 <file path=ppt/slides/slide5.xml><?xml version="1.0" encoding="utf-8"?>
-<p:sld xmlns:a="http://schemas.openxmlformats.org/drawingml/2006/main" xmlns:r="http://schemas.openxmlformats.org/officeDocument/2006/relationships" xmlns:p="http://schemas.openxmlformats.org/presentationml/2006/main">
+<p:sld xmlns:a="http://schemas.openxmlformats.org/drawingml/2006/main" xmlns:r="http://schemas.openxmlformats.org/officeDocument/2006/relationships" xmlns:p="http://schemas.openxmlformats.org/presentationml/2006/main" show="0">
   <p:cSld>
     <p:spTree>
       <p:nvGrpSpPr>
@@ -32725,11 +32632,6 @@
         </p:txBody>
       </p:sp>
     </p:spTree>
-    <p:extLst>
-      <p:ext uri="{BB962C8B-B14F-4D97-AF65-F5344CB8AC3E}">
-        <p14:creationId xmlns:p14="http://schemas.microsoft.com/office/powerpoint/2010/main" val="817942739"/>
-      </p:ext>
-    </p:extLst>
   </p:cSld>
   <p:clrMapOvr>
     <a:masterClrMapping/>
@@ -33389,7 +33291,7 @@
 </file>
 
 <file path=ppt/slides/slide6.xml><?xml version="1.0" encoding="utf-8"?>
-<p:sld xmlns:a="http://schemas.openxmlformats.org/drawingml/2006/main" xmlns:r="http://schemas.openxmlformats.org/officeDocument/2006/relationships" xmlns:p="http://schemas.openxmlformats.org/presentationml/2006/main">
+<p:sld xmlns:a="http://schemas.openxmlformats.org/drawingml/2006/main" xmlns:r="http://schemas.openxmlformats.org/officeDocument/2006/relationships" xmlns:p="http://schemas.openxmlformats.org/presentationml/2006/main" show="0">
   <p:cSld>
     <p:spTree>
       <p:nvGrpSpPr>
@@ -33528,13 +33430,7 @@
           <p:cNvGraphicFramePr>
             <a:graphicFrameLocks noGrp="1"/>
           </p:cNvGraphicFramePr>
-          <p:nvPr>
-            <p:extLst>
-              <p:ext uri="{D42A27DB-BD31-4B8C-83A1-F6EECF244321}">
-                <p14:modId xmlns:p14="http://schemas.microsoft.com/office/powerpoint/2010/main" val="3959986843"/>
-              </p:ext>
-            </p:extLst>
-          </p:nvPr>
+          <p:nvPr/>
         </p:nvGraphicFramePr>
         <p:xfrm>
           <a:off x="839416" y="2708920"/>
@@ -33900,11 +33796,6 @@
         </a:graphic>
       </p:graphicFrame>
     </p:spTree>
-    <p:extLst>
-      <p:ext uri="{BB962C8B-B14F-4D97-AF65-F5344CB8AC3E}">
-        <p14:creationId xmlns:p14="http://schemas.microsoft.com/office/powerpoint/2010/main" val="2542033866"/>
-      </p:ext>
-    </p:extLst>
   </p:cSld>
   <p:clrMapOvr>
     <a:masterClrMapping/>
@@ -34399,11 +34290,6 @@
         </p:txBody>
       </p:sp>
     </p:spTree>
-    <p:extLst>
-      <p:ext uri="{BB962C8B-B14F-4D97-AF65-F5344CB8AC3E}">
-        <p14:creationId xmlns:p14="http://schemas.microsoft.com/office/powerpoint/2010/main" val="2444945333"/>
-      </p:ext>
-    </p:extLst>
   </p:cSld>
   <p:clrMapOvr>
     <a:masterClrMapping/>
@@ -34918,9 +34804,9 @@
           <a:bodyPr/>
           <a:lstStyle/>
           <a:p>
-            <a:pPr marL="928370" lvl="1" indent="-457200" eaLnBrk="1" hangingPunct="1">
+            <a:pPr lvl="1" eaLnBrk="1" hangingPunct="1">
               <a:buFont typeface="Wingdings" panose="05000000000000000000" pitchFamily="2" charset="2"/>
-              <a:buChar char="p"/>
+              <a:buChar char="Ø"/>
               <a:defRPr/>
             </a:pPr>
             <a:r>
@@ -34944,9 +34830,9 @@
             </a:endParaRPr>
           </a:p>
           <a:p>
-            <a:pPr marL="928370" lvl="1" indent="-457200" eaLnBrk="1" hangingPunct="1">
+            <a:pPr lvl="1" eaLnBrk="1" hangingPunct="1">
               <a:buFont typeface="Wingdings" panose="05000000000000000000" pitchFamily="2" charset="2"/>
-              <a:buChar char="p"/>
+              <a:buChar char="Ø"/>
               <a:defRPr/>
             </a:pPr>
             <a:r>
@@ -34972,11 +34858,6 @@
         </p:txBody>
       </p:sp>
     </p:spTree>
-    <p:extLst>
-      <p:ext uri="{BB962C8B-B14F-4D97-AF65-F5344CB8AC3E}">
-        <p14:creationId xmlns:p14="http://schemas.microsoft.com/office/powerpoint/2010/main" val="882447109"/>
-      </p:ext>
-    </p:extLst>
   </p:cSld>
   <p:clrMapOvr>
     <a:masterClrMapping/>
@@ -35300,11 +35181,6 @@
         </p:txBody>
       </p:sp>
     </p:spTree>
-    <p:extLst>
-      <p:ext uri="{BB962C8B-B14F-4D97-AF65-F5344CB8AC3E}">
-        <p14:creationId xmlns:p14="http://schemas.microsoft.com/office/powerpoint/2010/main" val="1824491791"/>
-      </p:ext>
-    </p:extLst>
   </p:cSld>
   <p:clrMapOvr>
     <a:masterClrMapping/>
@@ -36452,6 +36328,11 @@
       <a:clrMap bg1="lt1" tx1="dk1" bg2="lt2" tx2="dk2" accent1="accent1" accent2="accent2" accent3="accent3" accent4="accent4" accent5="accent5" accent6="accent6" hlink="hlink" folHlink="folHlink"/>
     </a:extraClrScheme>
   </a:extraClrSchemeLst>
+  <a:extLst>
+    <a:ext uri="{05A4C25C-085E-4340-85A3-A5531E510DB2}">
+      <thm15:themeFamily xmlns="" xmlns:thm15="http://schemas.microsoft.com/office/thememl/2012/main" name="Office Theme" id="{62F939B6-93AF-4DB8-9C6B-D6C7DFDC589F}" vid="{4A3C46E8-61CC-4603-A589-7422A47A8E4A}"/>
+    </a:ext>
+  </a:extLst>
 </a:theme>
 </file>
 
@@ -36735,6 +36616,11 @@
   </a:themeElements>
   <a:objectDefaults/>
   <a:extraClrSchemeLst/>
+  <a:extLst>
+    <a:ext uri="{05A4C25C-085E-4340-85A3-A5531E510DB2}">
+      <thm15:themeFamily xmlns="" xmlns:thm15="http://schemas.microsoft.com/office/thememl/2012/main" name="Office Theme" id="{62F939B6-93AF-4DB8-9C6B-D6C7DFDC589F}" vid="{4A3C46E8-61CC-4603-A589-7422A47A8E4A}"/>
+    </a:ext>
+  </a:extLst>
 </a:theme>
 </file>
 
@@ -37018,5 +36904,10 @@
   </a:themeElements>
   <a:objectDefaults/>
   <a:extraClrSchemeLst/>
+  <a:extLst>
+    <a:ext uri="{05A4C25C-085E-4340-85A3-A5531E510DB2}">
+      <thm15:themeFamily xmlns="" xmlns:thm15="http://schemas.microsoft.com/office/thememl/2012/main" name="Office Theme" id="{62F939B6-93AF-4DB8-9C6B-D6C7DFDC589F}" vid="{4A3C46E8-61CC-4603-A589-7422A47A8E4A}"/>
+    </a:ext>
+  </a:extLst>
 </a:theme>
 </file>